--- a/Data Science - Final - Olivia Ross.pptx
+++ b/Data Science - Final - Olivia Ross.pptx
@@ -6,17 +6,18 @@
   </p:sldMasterIdLst>
   <p:sldIdLst>
     <p:sldId id="256" r:id="rId2"/>
-    <p:sldId id="257" r:id="rId3"/>
-    <p:sldId id="260" r:id="rId4"/>
-    <p:sldId id="259" r:id="rId5"/>
-    <p:sldId id="258" r:id="rId6"/>
-    <p:sldId id="261" r:id="rId7"/>
-    <p:sldId id="262" r:id="rId8"/>
-    <p:sldId id="263" r:id="rId9"/>
-    <p:sldId id="264" r:id="rId10"/>
-    <p:sldId id="265" r:id="rId11"/>
-    <p:sldId id="266" r:id="rId12"/>
-    <p:sldId id="267" r:id="rId13"/>
+    <p:sldId id="268" r:id="rId3"/>
+    <p:sldId id="257" r:id="rId4"/>
+    <p:sldId id="260" r:id="rId5"/>
+    <p:sldId id="259" r:id="rId6"/>
+    <p:sldId id="258" r:id="rId7"/>
+    <p:sldId id="261" r:id="rId8"/>
+    <p:sldId id="262" r:id="rId9"/>
+    <p:sldId id="263" r:id="rId10"/>
+    <p:sldId id="264" r:id="rId11"/>
+    <p:sldId id="265" r:id="rId12"/>
+    <p:sldId id="266" r:id="rId13"/>
+    <p:sldId id="267" r:id="rId14"/>
   </p:sldIdLst>
   <p:sldSz cx="12192000" cy="6858000"/>
   <p:notesSz cx="6858000" cy="9144000"/>
@@ -115,6 +116,11 @@
       </a:defRPr>
     </a:lvl9pPr>
   </p:defaultTextStyle>
+  <p:extLst>
+    <p:ext uri="{EFAFB233-063F-42B5-8137-9DF3F51BA10A}">
+      <p15:sldGuideLst xmlns:p15="http://schemas.microsoft.com/office/powerpoint/2012/main"/>
+    </p:ext>
+  </p:extLst>
 </p:presentation>
 </file>
 
@@ -3448,37 +3454,12 @@
           <a:chExt cx="0" cy="0"/>
         </a:xfrm>
       </p:grpSpPr>
-      <p:sp>
-        <p:nvSpPr>
-          <p:cNvPr id="2" name="Title 1">
-            <a:extLst>
-              <a:ext uri="{FF2B5EF4-FFF2-40B4-BE49-F238E27FC236}">
-                <a16:creationId xmlns:a16="http://schemas.microsoft.com/office/drawing/2014/main" id="{51FDD9D9-E23A-484C-A7C9-66BA767067AD}"/>
-              </a:ext>
-            </a:extLst>
-          </p:cNvPr>
-          <p:cNvSpPr>
-            <a:spLocks noGrp="1"/>
-          </p:cNvSpPr>
-          <p:nvPr>
-            <p:ph type="title"/>
-          </p:nvPr>
-        </p:nvSpPr>
-        <p:spPr/>
-        <p:txBody>
-          <a:bodyPr/>
-          <a:lstStyle/>
-          <a:p>
-            <a:endParaRPr lang="en-AU"/>
-          </a:p>
-        </p:txBody>
-      </p:sp>
       <p:pic>
         <p:nvPicPr>
-          <p:cNvPr id="7" name="Picture 6">
-            <a:extLst>
-              <a:ext uri="{FF2B5EF4-FFF2-40B4-BE49-F238E27FC236}">
-                <a16:creationId xmlns:a16="http://schemas.microsoft.com/office/drawing/2014/main" id="{B059F7D5-8493-4590-81EF-326D278E8CCF}"/>
+          <p:cNvPr id="9" name="Picture 8">
+            <a:extLst>
+              <a:ext uri="{FF2B5EF4-FFF2-40B4-BE49-F238E27FC236}">
+                <a16:creationId xmlns:a16="http://schemas.microsoft.com/office/drawing/2014/main" id="{94729539-1EFA-4D55-8EE4-17E76B7EBC60}"/>
               </a:ext>
             </a:extLst>
           </p:cNvPr>
@@ -3501,20 +3482,55 @@
         </p:blipFill>
         <p:spPr>
           <a:xfrm>
-            <a:off x="9915973" y="127000"/>
-            <a:ext cx="2875654" cy="6858000"/>
+            <a:off x="3322049" y="3493831"/>
+            <a:ext cx="6481607" cy="3048996"/>
           </a:xfrm>
           <a:prstGeom prst="rect">
             <a:avLst/>
           </a:prstGeom>
         </p:spPr>
       </p:pic>
+      <p:sp>
+        <p:nvSpPr>
+          <p:cNvPr id="10" name="TextBox 9">
+            <a:extLst>
+              <a:ext uri="{FF2B5EF4-FFF2-40B4-BE49-F238E27FC236}">
+                <a16:creationId xmlns:a16="http://schemas.microsoft.com/office/drawing/2014/main" id="{D0C6F57B-5319-4B12-B9FA-77CD43870966}"/>
+              </a:ext>
+            </a:extLst>
+          </p:cNvPr>
+          <p:cNvSpPr txBox="1"/>
+          <p:nvPr/>
+        </p:nvSpPr>
+        <p:spPr>
+          <a:xfrm>
+            <a:off x="543856" y="4590392"/>
+            <a:ext cx="2343277" cy="1569660"/>
+          </a:xfrm>
+          <a:prstGeom prst="rect">
+            <a:avLst/>
+          </a:prstGeom>
+          <a:noFill/>
+        </p:spPr>
+        <p:txBody>
+          <a:bodyPr wrap="square" rtlCol="0">
+            <a:spAutoFit/>
+          </a:bodyPr>
+          <a:lstStyle/>
+          <a:p>
+            <a:r>
+              <a:rPr lang="en-AU" sz="1600" dirty="0"/>
+              <a:t>Converting the hours, days and months to categories somewhat normalised the distribution and lowered the MSE</a:t>
+            </a:r>
+          </a:p>
+        </p:txBody>
+      </p:sp>
       <p:pic>
         <p:nvPicPr>
-          <p:cNvPr id="9" name="Picture 8">
-            <a:extLst>
-              <a:ext uri="{FF2B5EF4-FFF2-40B4-BE49-F238E27FC236}">
-                <a16:creationId xmlns:a16="http://schemas.microsoft.com/office/drawing/2014/main" id="{7301C7EA-71B0-422D-8555-5EC4ECB4AC5E}"/>
+          <p:cNvPr id="6" name="Picture 5">
+            <a:extLst>
+              <a:ext uri="{FF2B5EF4-FFF2-40B4-BE49-F238E27FC236}">
+                <a16:creationId xmlns:a16="http://schemas.microsoft.com/office/drawing/2014/main" id="{2ACFE221-BD5C-400C-A1F6-483E06914C5B}"/>
               </a:ext>
             </a:extLst>
           </p:cNvPr>
@@ -3537,8 +3553,8 @@
         </p:blipFill>
         <p:spPr>
           <a:xfrm>
-            <a:off x="3426467" y="2663691"/>
-            <a:ext cx="6344066" cy="2965540"/>
+            <a:off x="224010" y="315172"/>
+            <a:ext cx="7274069" cy="3550339"/>
           </a:xfrm>
           <a:prstGeom prst="rect">
             <a:avLst/>
@@ -3547,19 +3563,17 @@
       </p:pic>
       <p:pic>
         <p:nvPicPr>
-          <p:cNvPr id="5" name="Content Placeholder 4">
-            <a:extLst>
-              <a:ext uri="{FF2B5EF4-FFF2-40B4-BE49-F238E27FC236}">
-                <a16:creationId xmlns:a16="http://schemas.microsoft.com/office/drawing/2014/main" id="{E258058D-EDC9-42CD-9125-F3F221F841AD}"/>
+          <p:cNvPr id="11" name="Picture 10">
+            <a:extLst>
+              <a:ext uri="{FF2B5EF4-FFF2-40B4-BE49-F238E27FC236}">
+                <a16:creationId xmlns:a16="http://schemas.microsoft.com/office/drawing/2014/main" id="{09FAC506-C70E-492A-B786-D462374B8CCB}"/>
               </a:ext>
             </a:extLst>
           </p:cNvPr>
           <p:cNvPicPr>
-            <a:picLocks noGrp="1" noChangeAspect="1"/>
+            <a:picLocks noChangeAspect="1"/>
           </p:cNvPicPr>
-          <p:nvPr>
-            <p:ph idx="1"/>
-          </p:nvPr>
+          <p:nvPr/>
         </p:nvPicPr>
         <p:blipFill>
           <a:blip r:embed="rId4">
@@ -3575,50 +3589,18 @@
         </p:blipFill>
         <p:spPr>
           <a:xfrm>
-            <a:off x="211555" y="365126"/>
-            <a:ext cx="6815778" cy="3459838"/>
-          </a:xfrm>
-        </p:spPr>
-      </p:pic>
-      <p:sp>
-        <p:nvSpPr>
-          <p:cNvPr id="10" name="TextBox 9">
-            <a:extLst>
-              <a:ext uri="{FF2B5EF4-FFF2-40B4-BE49-F238E27FC236}">
-                <a16:creationId xmlns:a16="http://schemas.microsoft.com/office/drawing/2014/main" id="{C1DF7BC5-706E-411B-81BF-5B4A81170902}"/>
-              </a:ext>
-            </a:extLst>
-          </p:cNvPr>
-          <p:cNvSpPr txBox="1"/>
-          <p:nvPr/>
-        </p:nvSpPr>
-        <p:spPr>
-          <a:xfrm>
-            <a:off x="298322" y="3946925"/>
-            <a:ext cx="3128145" cy="1077218"/>
+            <a:off x="9803656" y="406196"/>
+            <a:ext cx="2318767" cy="6045607"/>
           </a:xfrm>
           <a:prstGeom prst="rect">
             <a:avLst/>
           </a:prstGeom>
-          <a:noFill/>
-        </p:spPr>
-        <p:txBody>
-          <a:bodyPr wrap="square" rtlCol="0">
-            <a:spAutoFit/>
-          </a:bodyPr>
-          <a:lstStyle/>
-          <a:p>
-            <a:r>
-              <a:rPr lang="en-AU" sz="1600" dirty="0"/>
-              <a:t>Being more selective about what to predict lowered the MSE further, and improved the residual histogram</a:t>
-            </a:r>
-          </a:p>
-        </p:txBody>
-      </p:sp>
+        </p:spPr>
+      </p:pic>
     </p:spTree>
     <p:extLst>
       <p:ext uri="{BB962C8B-B14F-4D97-AF65-F5344CB8AC3E}">
-        <p14:creationId xmlns:p14="http://schemas.microsoft.com/office/powerpoint/2010/main" val="2423944138"/>
+        <p14:creationId xmlns:p14="http://schemas.microsoft.com/office/powerpoint/2010/main" val="3052354888"/>
       </p:ext>
     </p:extLst>
   </p:cSld>
@@ -3645,6 +3627,203 @@
           <a:chExt cx="0" cy="0"/>
         </a:xfrm>
       </p:grpSpPr>
+      <p:sp>
+        <p:nvSpPr>
+          <p:cNvPr id="2" name="Title 1">
+            <a:extLst>
+              <a:ext uri="{FF2B5EF4-FFF2-40B4-BE49-F238E27FC236}">
+                <a16:creationId xmlns:a16="http://schemas.microsoft.com/office/drawing/2014/main" id="{51FDD9D9-E23A-484C-A7C9-66BA767067AD}"/>
+              </a:ext>
+            </a:extLst>
+          </p:cNvPr>
+          <p:cNvSpPr>
+            <a:spLocks noGrp="1"/>
+          </p:cNvSpPr>
+          <p:nvPr>
+            <p:ph type="title"/>
+          </p:nvPr>
+        </p:nvSpPr>
+        <p:spPr/>
+        <p:txBody>
+          <a:bodyPr/>
+          <a:lstStyle/>
+          <a:p>
+            <a:endParaRPr lang="en-AU"/>
+          </a:p>
+        </p:txBody>
+      </p:sp>
+      <p:pic>
+        <p:nvPicPr>
+          <p:cNvPr id="7" name="Picture 6">
+            <a:extLst>
+              <a:ext uri="{FF2B5EF4-FFF2-40B4-BE49-F238E27FC236}">
+                <a16:creationId xmlns:a16="http://schemas.microsoft.com/office/drawing/2014/main" id="{B059F7D5-8493-4590-81EF-326D278E8CCF}"/>
+              </a:ext>
+            </a:extLst>
+          </p:cNvPr>
+          <p:cNvPicPr>
+            <a:picLocks noChangeAspect="1"/>
+          </p:cNvPicPr>
+          <p:nvPr/>
+        </p:nvPicPr>
+        <p:blipFill>
+          <a:blip r:embed="rId2">
+            <a:extLst>
+              <a:ext uri="{28A0092B-C50C-407E-A947-70E740481C1C}">
+                <a14:useLocalDpi xmlns:a14="http://schemas.microsoft.com/office/drawing/2010/main" val="0"/>
+              </a:ext>
+            </a:extLst>
+          </a:blip>
+          <a:stretch>
+            <a:fillRect/>
+          </a:stretch>
+        </p:blipFill>
+        <p:spPr>
+          <a:xfrm>
+            <a:off x="9915973" y="127000"/>
+            <a:ext cx="2875654" cy="6858000"/>
+          </a:xfrm>
+          <a:prstGeom prst="rect">
+            <a:avLst/>
+          </a:prstGeom>
+        </p:spPr>
+      </p:pic>
+      <p:pic>
+        <p:nvPicPr>
+          <p:cNvPr id="9" name="Picture 8">
+            <a:extLst>
+              <a:ext uri="{FF2B5EF4-FFF2-40B4-BE49-F238E27FC236}">
+                <a16:creationId xmlns:a16="http://schemas.microsoft.com/office/drawing/2014/main" id="{7301C7EA-71B0-422D-8555-5EC4ECB4AC5E}"/>
+              </a:ext>
+            </a:extLst>
+          </p:cNvPr>
+          <p:cNvPicPr>
+            <a:picLocks noChangeAspect="1"/>
+          </p:cNvPicPr>
+          <p:nvPr/>
+        </p:nvPicPr>
+        <p:blipFill>
+          <a:blip r:embed="rId3">
+            <a:extLst>
+              <a:ext uri="{28A0092B-C50C-407E-A947-70E740481C1C}">
+                <a14:useLocalDpi xmlns:a14="http://schemas.microsoft.com/office/drawing/2010/main" val="0"/>
+              </a:ext>
+            </a:extLst>
+          </a:blip>
+          <a:stretch>
+            <a:fillRect/>
+          </a:stretch>
+        </p:blipFill>
+        <p:spPr>
+          <a:xfrm>
+            <a:off x="3426467" y="2663691"/>
+            <a:ext cx="6344066" cy="2965540"/>
+          </a:xfrm>
+          <a:prstGeom prst="rect">
+            <a:avLst/>
+          </a:prstGeom>
+        </p:spPr>
+      </p:pic>
+      <p:pic>
+        <p:nvPicPr>
+          <p:cNvPr id="5" name="Content Placeholder 4">
+            <a:extLst>
+              <a:ext uri="{FF2B5EF4-FFF2-40B4-BE49-F238E27FC236}">
+                <a16:creationId xmlns:a16="http://schemas.microsoft.com/office/drawing/2014/main" id="{E258058D-EDC9-42CD-9125-F3F221F841AD}"/>
+              </a:ext>
+            </a:extLst>
+          </p:cNvPr>
+          <p:cNvPicPr>
+            <a:picLocks noGrp="1" noChangeAspect="1"/>
+          </p:cNvPicPr>
+          <p:nvPr>
+            <p:ph idx="1"/>
+          </p:nvPr>
+        </p:nvPicPr>
+        <p:blipFill>
+          <a:blip r:embed="rId4">
+            <a:extLst>
+              <a:ext uri="{28A0092B-C50C-407E-A947-70E740481C1C}">
+                <a14:useLocalDpi xmlns:a14="http://schemas.microsoft.com/office/drawing/2010/main" val="0"/>
+              </a:ext>
+            </a:extLst>
+          </a:blip>
+          <a:stretch>
+            <a:fillRect/>
+          </a:stretch>
+        </p:blipFill>
+        <p:spPr>
+          <a:xfrm>
+            <a:off x="211555" y="365126"/>
+            <a:ext cx="6815778" cy="3459838"/>
+          </a:xfrm>
+        </p:spPr>
+      </p:pic>
+      <p:sp>
+        <p:nvSpPr>
+          <p:cNvPr id="10" name="TextBox 9">
+            <a:extLst>
+              <a:ext uri="{FF2B5EF4-FFF2-40B4-BE49-F238E27FC236}">
+                <a16:creationId xmlns:a16="http://schemas.microsoft.com/office/drawing/2014/main" id="{C1DF7BC5-706E-411B-81BF-5B4A81170902}"/>
+              </a:ext>
+            </a:extLst>
+          </p:cNvPr>
+          <p:cNvSpPr txBox="1"/>
+          <p:nvPr/>
+        </p:nvSpPr>
+        <p:spPr>
+          <a:xfrm>
+            <a:off x="298322" y="3946925"/>
+            <a:ext cx="3128145" cy="1077218"/>
+          </a:xfrm>
+          <a:prstGeom prst="rect">
+            <a:avLst/>
+          </a:prstGeom>
+          <a:noFill/>
+        </p:spPr>
+        <p:txBody>
+          <a:bodyPr wrap="square" rtlCol="0">
+            <a:spAutoFit/>
+          </a:bodyPr>
+          <a:lstStyle/>
+          <a:p>
+            <a:r>
+              <a:rPr lang="en-AU" sz="1600" dirty="0"/>
+              <a:t>Being more selective about what to predict lowered the MSE further, and improved the residual histogram</a:t>
+            </a:r>
+          </a:p>
+        </p:txBody>
+      </p:sp>
+    </p:spTree>
+    <p:extLst>
+      <p:ext uri="{BB962C8B-B14F-4D97-AF65-F5344CB8AC3E}">
+        <p14:creationId xmlns:p14="http://schemas.microsoft.com/office/powerpoint/2010/main" val="2423944138"/>
+      </p:ext>
+    </p:extLst>
+  </p:cSld>
+  <p:clrMapOvr>
+    <a:masterClrMapping/>
+  </p:clrMapOvr>
+</p:sld>
+</file>
+
+<file path=ppt/slides/slide12.xml><?xml version="1.0" encoding="utf-8"?>
+<p:sld xmlns:a="http://schemas.openxmlformats.org/drawingml/2006/main" xmlns:r="http://schemas.openxmlformats.org/officeDocument/2006/relationships" xmlns:p="http://schemas.openxmlformats.org/presentationml/2006/main">
+  <p:cSld>
+    <p:spTree>
+      <p:nvGrpSpPr>
+        <p:cNvPr id="1" name=""/>
+        <p:cNvGrpSpPr/>
+        <p:nvPr/>
+      </p:nvGrpSpPr>
+      <p:grpSpPr>
+        <a:xfrm>
+          <a:off x="0" y="0"/>
+          <a:ext cx="0" cy="0"/>
+          <a:chOff x="0" y="0"/>
+          <a:chExt cx="0" cy="0"/>
+        </a:xfrm>
+      </p:grpSpPr>
       <p:pic>
         <p:nvPicPr>
           <p:cNvPr id="7" name="Picture 6">
@@ -3772,7 +3951,7 @@
 </p:sld>
 </file>
 
-<file path=ppt/slides/slide12.xml><?xml version="1.0" encoding="utf-8"?>
+<file path=ppt/slides/slide13.xml><?xml version="1.0" encoding="utf-8"?>
 <p:sld xmlns:a="http://schemas.openxmlformats.org/drawingml/2006/main" xmlns:r="http://schemas.openxmlformats.org/officeDocument/2006/relationships" xmlns:p="http://schemas.openxmlformats.org/presentationml/2006/main">
   <p:cSld>
     <p:spTree>
@@ -3944,45 +4123,10 @@
       </p:grpSpPr>
       <p:pic>
         <p:nvPicPr>
-          <p:cNvPr id="5" name="Content Placeholder 4">
-            <a:extLst>
-              <a:ext uri="{FF2B5EF4-FFF2-40B4-BE49-F238E27FC236}">
-                <a16:creationId xmlns:a16="http://schemas.microsoft.com/office/drawing/2014/main" id="{E44E6F2C-2E9A-4603-A175-FB19CC8D5E38}"/>
-              </a:ext>
-            </a:extLst>
-          </p:cNvPr>
-          <p:cNvPicPr>
-            <a:picLocks noGrp="1" noChangeAspect="1"/>
-          </p:cNvPicPr>
-          <p:nvPr>
-            <p:ph idx="1"/>
-          </p:nvPr>
-        </p:nvPicPr>
-        <p:blipFill>
-          <a:blip r:embed="rId2">
-            <a:extLst>
-              <a:ext uri="{28A0092B-C50C-407E-A947-70E740481C1C}">
-                <a14:useLocalDpi xmlns:a14="http://schemas.microsoft.com/office/drawing/2010/main" val="0"/>
-              </a:ext>
-            </a:extLst>
-          </a:blip>
-          <a:stretch>
-            <a:fillRect/>
-          </a:stretch>
-        </p:blipFill>
-        <p:spPr>
-          <a:xfrm>
-            <a:off x="838200" y="1841124"/>
-            <a:ext cx="4931100" cy="4351338"/>
-          </a:xfrm>
-        </p:spPr>
-      </p:pic>
-      <p:pic>
-        <p:nvPicPr>
-          <p:cNvPr id="7" name="Picture 6">
-            <a:extLst>
-              <a:ext uri="{FF2B5EF4-FFF2-40B4-BE49-F238E27FC236}">
-                <a16:creationId xmlns:a16="http://schemas.microsoft.com/office/drawing/2014/main" id="{FA81A28B-A4F5-4453-91DE-FC943C9EB6A3}"/>
+          <p:cNvPr id="13" name="Picture 12">
+            <a:extLst>
+              <a:ext uri="{FF2B5EF4-FFF2-40B4-BE49-F238E27FC236}">
+                <a16:creationId xmlns:a16="http://schemas.microsoft.com/office/drawing/2014/main" id="{59A984EC-001F-420E-8D7D-8E282348E154}"/>
               </a:ext>
             </a:extLst>
           </p:cNvPr>
@@ -3992,7 +4136,7 @@
           <p:nvPr/>
         </p:nvPicPr>
         <p:blipFill>
-          <a:blip r:embed="rId3">
+          <a:blip r:embed="rId2">
             <a:extLst>
               <a:ext uri="{28A0092B-C50C-407E-A947-70E740481C1C}">
                 <a14:useLocalDpi xmlns:a14="http://schemas.microsoft.com/office/drawing/2010/main" val="0"/>
@@ -4005,8 +4149,8 @@
         </p:blipFill>
         <p:spPr>
           <a:xfrm>
-            <a:off x="6693635" y="1841124"/>
-            <a:ext cx="4102311" cy="965250"/>
+            <a:off x="3035142" y="1177809"/>
+            <a:ext cx="6121715" cy="4502381"/>
           </a:xfrm>
           <a:prstGeom prst="rect">
             <a:avLst/>
@@ -4015,161 +4159,276 @@
       </p:pic>
       <p:sp>
         <p:nvSpPr>
-          <p:cNvPr id="10" name="TextBox 9">
-            <a:extLst>
-              <a:ext uri="{FF2B5EF4-FFF2-40B4-BE49-F238E27FC236}">
-                <a16:creationId xmlns:a16="http://schemas.microsoft.com/office/drawing/2014/main" id="{AB2D2D03-DECE-4B80-AC7C-8045314D19C1}"/>
-              </a:ext>
-            </a:extLst>
-          </p:cNvPr>
-          <p:cNvSpPr txBox="1"/>
+          <p:cNvPr id="14" name="Diamond 13">
+            <a:extLst>
+              <a:ext uri="{FF2B5EF4-FFF2-40B4-BE49-F238E27FC236}">
+                <a16:creationId xmlns:a16="http://schemas.microsoft.com/office/drawing/2014/main" id="{A045C08B-59CE-40A4-9C92-F27D27E79610}"/>
+              </a:ext>
+            </a:extLst>
+          </p:cNvPr>
+          <p:cNvSpPr/>
           <p:nvPr/>
         </p:nvSpPr>
         <p:spPr>
           <a:xfrm>
-            <a:off x="1487277" y="1399142"/>
-            <a:ext cx="2539157" cy="369332"/>
-          </a:xfrm>
-          <a:prstGeom prst="rect">
+            <a:off x="6972300" y="2251710"/>
+            <a:ext cx="160020" cy="217170"/>
+          </a:xfrm>
+          <a:prstGeom prst="diamond">
             <a:avLst/>
           </a:prstGeom>
-          <a:noFill/>
-        </p:spPr>
-        <p:txBody>
-          <a:bodyPr wrap="none" rtlCol="0">
-            <a:spAutoFit/>
+          <a:solidFill>
+            <a:srgbClr val="FF0000"/>
+          </a:solidFill>
+        </p:spPr>
+        <p:style>
+          <a:lnRef idx="2">
+            <a:schemeClr val="accent1">
+              <a:shade val="50000"/>
+            </a:schemeClr>
+          </a:lnRef>
+          <a:fillRef idx="1">
+            <a:schemeClr val="accent1"/>
+          </a:fillRef>
+          <a:effectRef idx="0">
+            <a:schemeClr val="accent1"/>
+          </a:effectRef>
+          <a:fontRef idx="minor">
+            <a:schemeClr val="lt1"/>
+          </a:fontRef>
+        </p:style>
+        <p:txBody>
+          <a:bodyPr rot="0" spcFirstLastPara="0" vertOverflow="overflow" horzOverflow="overflow" vert="horz" wrap="square" lIns="91440" tIns="45720" rIns="91440" bIns="45720" numCol="1" spcCol="0" rtlCol="0" fromWordArt="0" anchor="ctr" anchorCtr="0" forceAA="0" compatLnSpc="1">
+            <a:prstTxWarp prst="textNoShape">
+              <a:avLst/>
+            </a:prstTxWarp>
+            <a:noAutofit/>
           </a:bodyPr>
           <a:lstStyle/>
           <a:p>
-            <a:r>
-              <a:rPr lang="en-AU" dirty="0"/>
-              <a:t>Available data from RMS</a:t>
-            </a:r>
-          </a:p>
-        </p:txBody>
-      </p:sp>
-      <p:sp>
-        <p:nvSpPr>
-          <p:cNvPr id="11" name="TextBox 10">
-            <a:extLst>
-              <a:ext uri="{FF2B5EF4-FFF2-40B4-BE49-F238E27FC236}">
-                <a16:creationId xmlns:a16="http://schemas.microsoft.com/office/drawing/2014/main" id="{0CDAC61A-CBE4-4BA5-A2AC-D93BB1C063B8}"/>
-              </a:ext>
-            </a:extLst>
-          </p:cNvPr>
-          <p:cNvSpPr txBox="1"/>
+            <a:pPr algn="ctr"/>
+            <a:endParaRPr lang="en-AU" b="1">
+              <a:ln w="22225">
+                <a:solidFill>
+                  <a:schemeClr val="accent2"/>
+                </a:solidFill>
+                <a:prstDash val="solid"/>
+              </a:ln>
+              <a:solidFill>
+                <a:schemeClr val="accent2">
+                  <a:lumMod val="40000"/>
+                  <a:lumOff val="60000"/>
+                </a:schemeClr>
+              </a:solidFill>
+            </a:endParaRPr>
+          </a:p>
+        </p:txBody>
+      </p:sp>
+      <p:sp>
+        <p:nvSpPr>
+          <p:cNvPr id="15" name="Diamond 14">
+            <a:extLst>
+              <a:ext uri="{FF2B5EF4-FFF2-40B4-BE49-F238E27FC236}">
+                <a16:creationId xmlns:a16="http://schemas.microsoft.com/office/drawing/2014/main" id="{C3EB5C2D-7E75-441E-B8AA-D4ABA8871AA5}"/>
+              </a:ext>
+            </a:extLst>
+          </p:cNvPr>
+          <p:cNvSpPr/>
           <p:nvPr/>
         </p:nvSpPr>
         <p:spPr>
           <a:xfrm>
-            <a:off x="6723802" y="1399142"/>
-            <a:ext cx="2532745" cy="369332"/>
-          </a:xfrm>
-          <a:prstGeom prst="rect">
+            <a:off x="6175465" y="3788773"/>
+            <a:ext cx="160020" cy="217170"/>
+          </a:xfrm>
+          <a:prstGeom prst="diamond">
             <a:avLst/>
           </a:prstGeom>
-          <a:noFill/>
-        </p:spPr>
-        <p:txBody>
-          <a:bodyPr wrap="none" rtlCol="0">
-            <a:spAutoFit/>
+          <a:solidFill>
+            <a:srgbClr val="FF0000"/>
+          </a:solidFill>
+        </p:spPr>
+        <p:style>
+          <a:lnRef idx="2">
+            <a:schemeClr val="accent1">
+              <a:shade val="50000"/>
+            </a:schemeClr>
+          </a:lnRef>
+          <a:fillRef idx="1">
+            <a:schemeClr val="accent1"/>
+          </a:fillRef>
+          <a:effectRef idx="0">
+            <a:schemeClr val="accent1"/>
+          </a:effectRef>
+          <a:fontRef idx="minor">
+            <a:schemeClr val="lt1"/>
+          </a:fontRef>
+        </p:style>
+        <p:txBody>
+          <a:bodyPr rot="0" spcFirstLastPara="0" vertOverflow="overflow" horzOverflow="overflow" vert="horz" wrap="square" lIns="91440" tIns="45720" rIns="91440" bIns="45720" numCol="1" spcCol="0" rtlCol="0" fromWordArt="0" anchor="ctr" anchorCtr="0" forceAA="0" compatLnSpc="1">
+            <a:prstTxWarp prst="textNoShape">
+              <a:avLst/>
+            </a:prstTxWarp>
+            <a:noAutofit/>
           </a:bodyPr>
           <a:lstStyle/>
           <a:p>
-            <a:r>
-              <a:rPr lang="en-AU" dirty="0"/>
-              <a:t>Available data from BOM</a:t>
-            </a:r>
-          </a:p>
-        </p:txBody>
-      </p:sp>
-      <p:sp>
-        <p:nvSpPr>
-          <p:cNvPr id="12" name="TextBox 11">
-            <a:extLst>
-              <a:ext uri="{FF2B5EF4-FFF2-40B4-BE49-F238E27FC236}">
-                <a16:creationId xmlns:a16="http://schemas.microsoft.com/office/drawing/2014/main" id="{74E55F0E-BB83-4509-8DF3-4AAB9DE98BA7}"/>
-              </a:ext>
-            </a:extLst>
-          </p:cNvPr>
-          <p:cNvSpPr txBox="1"/>
+            <a:pPr algn="ctr"/>
+            <a:endParaRPr lang="en-AU" b="1">
+              <a:ln w="22225">
+                <a:solidFill>
+                  <a:schemeClr val="accent2"/>
+                </a:solidFill>
+                <a:prstDash val="solid"/>
+              </a:ln>
+              <a:solidFill>
+                <a:schemeClr val="accent2">
+                  <a:lumMod val="40000"/>
+                  <a:lumOff val="60000"/>
+                </a:schemeClr>
+              </a:solidFill>
+            </a:endParaRPr>
+          </a:p>
+        </p:txBody>
+      </p:sp>
+      <p:sp>
+        <p:nvSpPr>
+          <p:cNvPr id="16" name="Diamond 15">
+            <a:extLst>
+              <a:ext uri="{FF2B5EF4-FFF2-40B4-BE49-F238E27FC236}">
+                <a16:creationId xmlns:a16="http://schemas.microsoft.com/office/drawing/2014/main" id="{711D5128-DD52-4E78-BCE5-8838C2B6BDCE}"/>
+              </a:ext>
+            </a:extLst>
+          </p:cNvPr>
+          <p:cNvSpPr/>
           <p:nvPr/>
         </p:nvSpPr>
         <p:spPr>
           <a:xfrm>
-            <a:off x="6693635" y="3244334"/>
-            <a:ext cx="4660165" cy="2893100"/>
-          </a:xfrm>
-          <a:prstGeom prst="rect">
+            <a:off x="5282837" y="4402728"/>
+            <a:ext cx="160020" cy="217170"/>
+          </a:xfrm>
+          <a:prstGeom prst="diamond">
             <a:avLst/>
           </a:prstGeom>
-          <a:noFill/>
-        </p:spPr>
-        <p:txBody>
-          <a:bodyPr wrap="square" rtlCol="0">
-            <a:spAutoFit/>
+          <a:solidFill>
+            <a:srgbClr val="FF0000"/>
+          </a:solidFill>
+        </p:spPr>
+        <p:style>
+          <a:lnRef idx="2">
+            <a:schemeClr val="accent1">
+              <a:shade val="50000"/>
+            </a:schemeClr>
+          </a:lnRef>
+          <a:fillRef idx="1">
+            <a:schemeClr val="accent1"/>
+          </a:fillRef>
+          <a:effectRef idx="0">
+            <a:schemeClr val="accent1"/>
+          </a:effectRef>
+          <a:fontRef idx="minor">
+            <a:schemeClr val="lt1"/>
+          </a:fontRef>
+        </p:style>
+        <p:txBody>
+          <a:bodyPr rot="0" spcFirstLastPara="0" vertOverflow="overflow" horzOverflow="overflow" vert="horz" wrap="square" lIns="91440" tIns="45720" rIns="91440" bIns="45720" numCol="1" spcCol="0" rtlCol="0" fromWordArt="0" anchor="ctr" anchorCtr="0" forceAA="0" compatLnSpc="1">
+            <a:prstTxWarp prst="textNoShape">
+              <a:avLst/>
+            </a:prstTxWarp>
+            <a:noAutofit/>
           </a:bodyPr>
           <a:lstStyle/>
           <a:p>
-            <a:r>
-              <a:rPr lang="en-AU" sz="1400" dirty="0"/>
-              <a:t>To make comparisons for traffic, it was essential to take the data only when all three stations were operating:</a:t>
-            </a:r>
-          </a:p>
-          <a:p>
-            <a:pPr marL="285750" indent="-285750">
-              <a:buFont typeface="Arial" panose="020B0604020202020204" pitchFamily="34" charset="0"/>
-              <a:buChar char="•"/>
-            </a:pPr>
-            <a:r>
-              <a:rPr lang="en-AU" sz="1400" dirty="0"/>
-              <a:t>The Harbour Tunnel</a:t>
-            </a:r>
-          </a:p>
-          <a:p>
-            <a:pPr marL="285750" indent="-285750">
-              <a:buFont typeface="Arial" panose="020B0604020202020204" pitchFamily="34" charset="0"/>
-              <a:buChar char="•"/>
-            </a:pPr>
-            <a:r>
-              <a:rPr lang="en-AU" sz="1400" dirty="0"/>
-              <a:t>The Cahill Expressway</a:t>
-            </a:r>
-          </a:p>
-          <a:p>
-            <a:pPr marL="285750" indent="-285750">
-              <a:buFont typeface="Arial" panose="020B0604020202020204" pitchFamily="34" charset="0"/>
-              <a:buChar char="•"/>
-            </a:pPr>
-            <a:r>
-              <a:rPr lang="en-AU" sz="1400" dirty="0"/>
-              <a:t>The Western Distributor</a:t>
-            </a:r>
-          </a:p>
-          <a:p>
-            <a:r>
-              <a:rPr lang="en-AU" sz="1400" dirty="0"/>
-              <a:t>Otherwise we would not know if cars were diverting to one of the other roads instead of taking the road we have measurements for.</a:t>
-            </a:r>
-          </a:p>
-          <a:p>
-            <a:endParaRPr lang="en-AU" sz="1400" dirty="0"/>
-          </a:p>
-          <a:p>
-            <a:r>
-              <a:rPr lang="en-AU" sz="1400" dirty="0"/>
-              <a:t>Interestingly, there is no public traffic data for the harbour bridge itself. This would be convenient, as this data cannot capture any cars that divert themselves to York St.</a:t>
-            </a:r>
-          </a:p>
-          <a:p>
-            <a:endParaRPr lang="en-AU" sz="1400" dirty="0"/>
+            <a:pPr algn="ctr"/>
+            <a:endParaRPr lang="en-AU" b="1">
+              <a:ln w="22225">
+                <a:solidFill>
+                  <a:schemeClr val="accent2"/>
+                </a:solidFill>
+                <a:prstDash val="solid"/>
+              </a:ln>
+              <a:solidFill>
+                <a:schemeClr val="accent2">
+                  <a:lumMod val="40000"/>
+                  <a:lumOff val="60000"/>
+                </a:schemeClr>
+              </a:solidFill>
+            </a:endParaRPr>
+          </a:p>
+        </p:txBody>
+      </p:sp>
+      <p:sp>
+        <p:nvSpPr>
+          <p:cNvPr id="17" name="Diamond 16">
+            <a:extLst>
+              <a:ext uri="{FF2B5EF4-FFF2-40B4-BE49-F238E27FC236}">
+                <a16:creationId xmlns:a16="http://schemas.microsoft.com/office/drawing/2014/main" id="{3D423059-8C9B-4095-9E05-742ECCBC848B}"/>
+              </a:ext>
+            </a:extLst>
+          </p:cNvPr>
+          <p:cNvSpPr/>
+          <p:nvPr/>
+        </p:nvSpPr>
+        <p:spPr>
+          <a:xfrm>
+            <a:off x="5600700" y="4346395"/>
+            <a:ext cx="160020" cy="217170"/>
+          </a:xfrm>
+          <a:prstGeom prst="diamond">
+            <a:avLst/>
+          </a:prstGeom>
+          <a:solidFill>
+            <a:srgbClr val="FFFF00"/>
+          </a:solidFill>
+        </p:spPr>
+        <p:style>
+          <a:lnRef idx="2">
+            <a:schemeClr val="accent1">
+              <a:shade val="50000"/>
+            </a:schemeClr>
+          </a:lnRef>
+          <a:fillRef idx="1">
+            <a:schemeClr val="accent1"/>
+          </a:fillRef>
+          <a:effectRef idx="0">
+            <a:schemeClr val="accent1"/>
+          </a:effectRef>
+          <a:fontRef idx="minor">
+            <a:schemeClr val="lt1"/>
+          </a:fontRef>
+        </p:style>
+        <p:txBody>
+          <a:bodyPr rot="0" spcFirstLastPara="0" vertOverflow="overflow" horzOverflow="overflow" vert="horz" wrap="square" lIns="91440" tIns="45720" rIns="91440" bIns="45720" numCol="1" spcCol="0" rtlCol="0" fromWordArt="0" anchor="ctr" anchorCtr="0" forceAA="0" compatLnSpc="1">
+            <a:prstTxWarp prst="textNoShape">
+              <a:avLst/>
+            </a:prstTxWarp>
+            <a:noAutofit/>
+          </a:bodyPr>
+          <a:lstStyle/>
+          <a:p>
+            <a:pPr algn="ctr"/>
+            <a:endParaRPr lang="en-AU" b="1">
+              <a:ln w="22225">
+                <a:solidFill>
+                  <a:schemeClr val="accent2"/>
+                </a:solidFill>
+                <a:prstDash val="solid"/>
+              </a:ln>
+              <a:solidFill>
+                <a:schemeClr val="accent2">
+                  <a:lumMod val="40000"/>
+                  <a:lumOff val="60000"/>
+                </a:schemeClr>
+              </a:solidFill>
+            </a:endParaRPr>
           </a:p>
         </p:txBody>
       </p:sp>
     </p:spTree>
     <p:extLst>
       <p:ext uri="{BB962C8B-B14F-4D97-AF65-F5344CB8AC3E}">
-        <p14:creationId xmlns:p14="http://schemas.microsoft.com/office/powerpoint/2010/main" val="3110472011"/>
+        <p14:creationId xmlns:p14="http://schemas.microsoft.com/office/powerpoint/2010/main" val="2906333822"/>
       </p:ext>
     </p:extLst>
   </p:cSld>
@@ -4201,7 +4460,7 @@
           <p:cNvPr id="5" name="Content Placeholder 4">
             <a:extLst>
               <a:ext uri="{FF2B5EF4-FFF2-40B4-BE49-F238E27FC236}">
-                <a16:creationId xmlns:a16="http://schemas.microsoft.com/office/drawing/2014/main" id="{A048C841-D449-4EEE-ACD0-2BC734659CD5}"/>
+                <a16:creationId xmlns:a16="http://schemas.microsoft.com/office/drawing/2014/main" id="{E44E6F2C-2E9A-4603-A175-FB19CC8D5E38}"/>
               </a:ext>
             </a:extLst>
           </p:cNvPr>
@@ -4226,8 +4485,8 @@
         </p:blipFill>
         <p:spPr>
           <a:xfrm>
-            <a:off x="6370233" y="3996266"/>
-            <a:ext cx="4983567" cy="2167525"/>
+            <a:off x="838200" y="1841124"/>
+            <a:ext cx="4931100" cy="4351338"/>
           </a:xfrm>
         </p:spPr>
       </p:pic>
@@ -4236,7 +4495,7 @@
           <p:cNvPr id="7" name="Picture 6">
             <a:extLst>
               <a:ext uri="{FF2B5EF4-FFF2-40B4-BE49-F238E27FC236}">
-                <a16:creationId xmlns:a16="http://schemas.microsoft.com/office/drawing/2014/main" id="{B864AEAA-61D7-4F3F-95F0-1F64E16370F6}"/>
+                <a16:creationId xmlns:a16="http://schemas.microsoft.com/office/drawing/2014/main" id="{FA81A28B-A4F5-4453-91DE-FC943C9EB6A3}"/>
               </a:ext>
             </a:extLst>
           </p:cNvPr>
@@ -4259,56 +4518,20 @@
         </p:blipFill>
         <p:spPr>
           <a:xfrm>
-            <a:off x="6338147" y="1608353"/>
-            <a:ext cx="5015654" cy="2167525"/>
+            <a:off x="6693635" y="1841124"/>
+            <a:ext cx="4102311" cy="965250"/>
           </a:xfrm>
           <a:prstGeom prst="rect">
             <a:avLst/>
           </a:prstGeom>
         </p:spPr>
       </p:pic>
-      <p:pic>
-        <p:nvPicPr>
-          <p:cNvPr id="9" name="Picture 8">
-            <a:extLst>
-              <a:ext uri="{FF2B5EF4-FFF2-40B4-BE49-F238E27FC236}">
-                <a16:creationId xmlns:a16="http://schemas.microsoft.com/office/drawing/2014/main" id="{9BA79328-9A4B-4BC3-86C3-B1C0A8BCC556}"/>
-              </a:ext>
-            </a:extLst>
-          </p:cNvPr>
-          <p:cNvPicPr>
-            <a:picLocks noChangeAspect="1"/>
-          </p:cNvPicPr>
-          <p:nvPr/>
-        </p:nvPicPr>
-        <p:blipFill>
-          <a:blip r:embed="rId4">
-            <a:extLst>
-              <a:ext uri="{28A0092B-C50C-407E-A947-70E740481C1C}">
-                <a14:useLocalDpi xmlns:a14="http://schemas.microsoft.com/office/drawing/2010/main" val="0"/>
-              </a:ext>
-            </a:extLst>
-          </a:blip>
-          <a:stretch>
-            <a:fillRect/>
-          </a:stretch>
-        </p:blipFill>
-        <p:spPr>
-          <a:xfrm>
-            <a:off x="534247" y="1608353"/>
-            <a:ext cx="5587048" cy="2311714"/>
-          </a:xfrm>
-          <a:prstGeom prst="rect">
-            <a:avLst/>
-          </a:prstGeom>
-        </p:spPr>
-      </p:pic>
       <p:sp>
         <p:nvSpPr>
           <p:cNvPr id="10" name="TextBox 9">
             <a:extLst>
               <a:ext uri="{FF2B5EF4-FFF2-40B4-BE49-F238E27FC236}">
-                <a16:creationId xmlns:a16="http://schemas.microsoft.com/office/drawing/2014/main" id="{577DF253-41F3-4256-BEBC-A64117CD9706}"/>
+                <a16:creationId xmlns:a16="http://schemas.microsoft.com/office/drawing/2014/main" id="{AB2D2D03-DECE-4B80-AC7C-8045314D19C1}"/>
               </a:ext>
             </a:extLst>
           </p:cNvPr>
@@ -4317,8 +4540,8 @@
         </p:nvSpPr>
         <p:spPr>
           <a:xfrm>
-            <a:off x="508952" y="611742"/>
-            <a:ext cx="3377143" cy="369332"/>
+            <a:off x="1487277" y="1399142"/>
+            <a:ext cx="2539157" cy="369332"/>
           </a:xfrm>
           <a:prstGeom prst="rect">
             <a:avLst/>
@@ -4333,7 +4556,7 @@
           <a:p>
             <a:r>
               <a:rPr lang="en-AU" dirty="0"/>
-              <a:t>Is this data better as a timeseries?</a:t>
+              <a:t>Available data from RMS</a:t>
             </a:r>
           </a:p>
         </p:txBody>
@@ -4343,7 +4566,7 @@
           <p:cNvPr id="11" name="TextBox 10">
             <a:extLst>
               <a:ext uri="{FF2B5EF4-FFF2-40B4-BE49-F238E27FC236}">
-                <a16:creationId xmlns:a16="http://schemas.microsoft.com/office/drawing/2014/main" id="{7F996EBB-0107-47CE-BF19-C089AFFFD4F4}"/>
+                <a16:creationId xmlns:a16="http://schemas.microsoft.com/office/drawing/2014/main" id="{0CDAC61A-CBE4-4BA5-A2AC-D93BB1C063B8}"/>
               </a:ext>
             </a:extLst>
           </p:cNvPr>
@@ -4352,8 +4575,8 @@
         </p:nvSpPr>
         <p:spPr>
           <a:xfrm>
-            <a:off x="534247" y="4664529"/>
-            <a:ext cx="5829195" cy="830997"/>
+            <a:off x="6723802" y="1399142"/>
+            <a:ext cx="2532745" cy="369332"/>
           </a:xfrm>
           <a:prstGeom prst="rect">
             <a:avLst/>
@@ -4361,28 +4584,105 @@
           <a:noFill/>
         </p:spPr>
         <p:txBody>
+          <a:bodyPr wrap="none" rtlCol="0">
+            <a:spAutoFit/>
+          </a:bodyPr>
+          <a:lstStyle/>
+          <a:p>
+            <a:r>
+              <a:rPr lang="en-AU" dirty="0"/>
+              <a:t>Available data from BOM</a:t>
+            </a:r>
+          </a:p>
+        </p:txBody>
+      </p:sp>
+      <p:sp>
+        <p:nvSpPr>
+          <p:cNvPr id="12" name="TextBox 11">
+            <a:extLst>
+              <a:ext uri="{FF2B5EF4-FFF2-40B4-BE49-F238E27FC236}">
+                <a16:creationId xmlns:a16="http://schemas.microsoft.com/office/drawing/2014/main" id="{74E55F0E-BB83-4509-8DF3-4AAB9DE98BA7}"/>
+              </a:ext>
+            </a:extLst>
+          </p:cNvPr>
+          <p:cNvSpPr txBox="1"/>
+          <p:nvPr/>
+        </p:nvSpPr>
+        <p:spPr>
+          <a:xfrm>
+            <a:off x="6693635" y="3244334"/>
+            <a:ext cx="4660165" cy="2893100"/>
+          </a:xfrm>
+          <a:prstGeom prst="rect">
+            <a:avLst/>
+          </a:prstGeom>
+          <a:noFill/>
+        </p:spPr>
+        <p:txBody>
           <a:bodyPr wrap="square" rtlCol="0">
             <a:spAutoFit/>
           </a:bodyPr>
           <a:lstStyle/>
           <a:p>
             <a:r>
-              <a:rPr lang="en-AU" sz="1600" dirty="0"/>
-              <a:t>The large dip in December and January 2015/16 is in the data.</a:t>
-            </a:r>
-          </a:p>
-          <a:p>
-            <a:r>
-              <a:rPr lang="en-AU" sz="1600" dirty="0"/>
-              <a:t>It may be true and be seasonal. Unfortunately there is no other January data for comparison.</a:t>
-            </a:r>
+              <a:rPr lang="en-AU" sz="1400" dirty="0"/>
+              <a:t>To make comparisons for traffic, it was essential to take the data only when all three stations were operating:</a:t>
+            </a:r>
+          </a:p>
+          <a:p>
+            <a:pPr marL="285750" indent="-285750">
+              <a:buFont typeface="Arial" panose="020B0604020202020204" pitchFamily="34" charset="0"/>
+              <a:buChar char="•"/>
+            </a:pPr>
+            <a:r>
+              <a:rPr lang="en-AU" sz="1400" dirty="0"/>
+              <a:t>The Harbour Tunnel</a:t>
+            </a:r>
+          </a:p>
+          <a:p>
+            <a:pPr marL="285750" indent="-285750">
+              <a:buFont typeface="Arial" panose="020B0604020202020204" pitchFamily="34" charset="0"/>
+              <a:buChar char="•"/>
+            </a:pPr>
+            <a:r>
+              <a:rPr lang="en-AU" sz="1400" dirty="0"/>
+              <a:t>The Cahill Expressway</a:t>
+            </a:r>
+          </a:p>
+          <a:p>
+            <a:pPr marL="285750" indent="-285750">
+              <a:buFont typeface="Arial" panose="020B0604020202020204" pitchFamily="34" charset="0"/>
+              <a:buChar char="•"/>
+            </a:pPr>
+            <a:r>
+              <a:rPr lang="en-AU" sz="1400" dirty="0"/>
+              <a:t>The Western Distributor</a:t>
+            </a:r>
+          </a:p>
+          <a:p>
+            <a:r>
+              <a:rPr lang="en-AU" sz="1400" dirty="0"/>
+              <a:t>Otherwise we would not know if cars were diverting to one of the other roads instead of taking the road we have measurements for.</a:t>
+            </a:r>
+          </a:p>
+          <a:p>
+            <a:endParaRPr lang="en-AU" sz="1400" dirty="0"/>
+          </a:p>
+          <a:p>
+            <a:r>
+              <a:rPr lang="en-AU" sz="1400" dirty="0"/>
+              <a:t>Interestingly, there is no public traffic data for the harbour bridge itself. This would be convenient, as this data cannot capture any cars that divert themselves to York St.</a:t>
+            </a:r>
+          </a:p>
+          <a:p>
+            <a:endParaRPr lang="en-AU" sz="1400" dirty="0"/>
           </a:p>
         </p:txBody>
       </p:sp>
     </p:spTree>
     <p:extLst>
       <p:ext uri="{BB962C8B-B14F-4D97-AF65-F5344CB8AC3E}">
-        <p14:creationId xmlns:p14="http://schemas.microsoft.com/office/powerpoint/2010/main" val="2030790373"/>
+        <p14:creationId xmlns:p14="http://schemas.microsoft.com/office/powerpoint/2010/main" val="3110472011"/>
       </p:ext>
     </p:extLst>
   </p:cSld>
@@ -4411,17 +4711,19 @@
       </p:grpSpPr>
       <p:pic>
         <p:nvPicPr>
-          <p:cNvPr id="11" name="Picture 10">
-            <a:extLst>
-              <a:ext uri="{FF2B5EF4-FFF2-40B4-BE49-F238E27FC236}">
-                <a16:creationId xmlns:a16="http://schemas.microsoft.com/office/drawing/2014/main" id="{A449A980-4C9B-42F4-8670-1A11CC674FCB}"/>
+          <p:cNvPr id="5" name="Content Placeholder 4">
+            <a:extLst>
+              <a:ext uri="{FF2B5EF4-FFF2-40B4-BE49-F238E27FC236}">
+                <a16:creationId xmlns:a16="http://schemas.microsoft.com/office/drawing/2014/main" id="{A048C841-D449-4EEE-ACD0-2BC734659CD5}"/>
               </a:ext>
             </a:extLst>
           </p:cNvPr>
           <p:cNvPicPr>
-            <a:picLocks noChangeAspect="1"/>
+            <a:picLocks noGrp="1" noChangeAspect="1"/>
           </p:cNvPicPr>
-          <p:nvPr/>
+          <p:nvPr>
+            <p:ph idx="1"/>
+          </p:nvPr>
         </p:nvPicPr>
         <p:blipFill>
           <a:blip r:embed="rId2">
@@ -4437,58 +4739,17 @@
         </p:blipFill>
         <p:spPr>
           <a:xfrm>
-            <a:off x="583577" y="1409424"/>
-            <a:ext cx="8093616" cy="3746470"/>
-          </a:xfrm>
-          <a:prstGeom prst="rect">
-            <a:avLst/>
-          </a:prstGeom>
+            <a:off x="6370233" y="3996266"/>
+            <a:ext cx="4983567" cy="2167525"/>
+          </a:xfrm>
         </p:spPr>
       </p:pic>
-      <p:sp>
-        <p:nvSpPr>
-          <p:cNvPr id="12" name="TextBox 11">
-            <a:extLst>
-              <a:ext uri="{FF2B5EF4-FFF2-40B4-BE49-F238E27FC236}">
-                <a16:creationId xmlns:a16="http://schemas.microsoft.com/office/drawing/2014/main" id="{AB8ED7DC-3261-4C79-9BB8-E0B463ED2562}"/>
-              </a:ext>
-            </a:extLst>
-          </p:cNvPr>
-          <p:cNvSpPr txBox="1"/>
-          <p:nvPr/>
-        </p:nvSpPr>
-        <p:spPr>
-          <a:xfrm>
-            <a:off x="9141144" y="1455715"/>
-            <a:ext cx="2467279" cy="1477328"/>
-          </a:xfrm>
-          <a:prstGeom prst="rect">
-            <a:avLst/>
-          </a:prstGeom>
-          <a:noFill/>
-        </p:spPr>
-        <p:txBody>
-          <a:bodyPr wrap="square" rtlCol="0">
-            <a:spAutoFit/>
-          </a:bodyPr>
-          <a:lstStyle/>
-          <a:p>
-            <a:r>
-              <a:rPr lang="en-AU" dirty="0"/>
-              <a:t>This shows the aggregate cars per hour over the entire merged dataset.</a:t>
-            </a:r>
-          </a:p>
-          <a:p>
-            <a:endParaRPr lang="en-AU" dirty="0"/>
-          </a:p>
-        </p:txBody>
-      </p:sp>
       <p:pic>
         <p:nvPicPr>
-          <p:cNvPr id="13" name="Picture 12">
-            <a:extLst>
-              <a:ext uri="{FF2B5EF4-FFF2-40B4-BE49-F238E27FC236}">
-                <a16:creationId xmlns:a16="http://schemas.microsoft.com/office/drawing/2014/main" id="{74BBC2B9-2693-43FC-8246-D822E43A23CB}"/>
+          <p:cNvPr id="7" name="Picture 6">
+            <a:extLst>
+              <a:ext uri="{FF2B5EF4-FFF2-40B4-BE49-F238E27FC236}">
+                <a16:creationId xmlns:a16="http://schemas.microsoft.com/office/drawing/2014/main" id="{B864AEAA-61D7-4F3F-95F0-1F64E16370F6}"/>
               </a:ext>
             </a:extLst>
           </p:cNvPr>
@@ -4511,18 +4772,130 @@
         </p:blipFill>
         <p:spPr>
           <a:xfrm>
-            <a:off x="8493312" y="3543090"/>
-            <a:ext cx="3425305" cy="2729048"/>
+            <a:off x="6338147" y="1608353"/>
+            <a:ext cx="5015654" cy="2167525"/>
           </a:xfrm>
           <a:prstGeom prst="rect">
             <a:avLst/>
           </a:prstGeom>
         </p:spPr>
       </p:pic>
+      <p:pic>
+        <p:nvPicPr>
+          <p:cNvPr id="9" name="Picture 8">
+            <a:extLst>
+              <a:ext uri="{FF2B5EF4-FFF2-40B4-BE49-F238E27FC236}">
+                <a16:creationId xmlns:a16="http://schemas.microsoft.com/office/drawing/2014/main" id="{9BA79328-9A4B-4BC3-86C3-B1C0A8BCC556}"/>
+              </a:ext>
+            </a:extLst>
+          </p:cNvPr>
+          <p:cNvPicPr>
+            <a:picLocks noChangeAspect="1"/>
+          </p:cNvPicPr>
+          <p:nvPr/>
+        </p:nvPicPr>
+        <p:blipFill>
+          <a:blip r:embed="rId4">
+            <a:extLst>
+              <a:ext uri="{28A0092B-C50C-407E-A947-70E740481C1C}">
+                <a14:useLocalDpi xmlns:a14="http://schemas.microsoft.com/office/drawing/2010/main" val="0"/>
+              </a:ext>
+            </a:extLst>
+          </a:blip>
+          <a:stretch>
+            <a:fillRect/>
+          </a:stretch>
+        </p:blipFill>
+        <p:spPr>
+          <a:xfrm>
+            <a:off x="534247" y="1608353"/>
+            <a:ext cx="5587048" cy="2311714"/>
+          </a:xfrm>
+          <a:prstGeom prst="rect">
+            <a:avLst/>
+          </a:prstGeom>
+        </p:spPr>
+      </p:pic>
+      <p:sp>
+        <p:nvSpPr>
+          <p:cNvPr id="10" name="TextBox 9">
+            <a:extLst>
+              <a:ext uri="{FF2B5EF4-FFF2-40B4-BE49-F238E27FC236}">
+                <a16:creationId xmlns:a16="http://schemas.microsoft.com/office/drawing/2014/main" id="{577DF253-41F3-4256-BEBC-A64117CD9706}"/>
+              </a:ext>
+            </a:extLst>
+          </p:cNvPr>
+          <p:cNvSpPr txBox="1"/>
+          <p:nvPr/>
+        </p:nvSpPr>
+        <p:spPr>
+          <a:xfrm>
+            <a:off x="508952" y="611742"/>
+            <a:ext cx="3377143" cy="369332"/>
+          </a:xfrm>
+          <a:prstGeom prst="rect">
+            <a:avLst/>
+          </a:prstGeom>
+          <a:noFill/>
+        </p:spPr>
+        <p:txBody>
+          <a:bodyPr wrap="none" rtlCol="0">
+            <a:spAutoFit/>
+          </a:bodyPr>
+          <a:lstStyle/>
+          <a:p>
+            <a:r>
+              <a:rPr lang="en-AU" dirty="0"/>
+              <a:t>Is this data better as a timeseries?</a:t>
+            </a:r>
+          </a:p>
+        </p:txBody>
+      </p:sp>
+      <p:sp>
+        <p:nvSpPr>
+          <p:cNvPr id="11" name="TextBox 10">
+            <a:extLst>
+              <a:ext uri="{FF2B5EF4-FFF2-40B4-BE49-F238E27FC236}">
+                <a16:creationId xmlns:a16="http://schemas.microsoft.com/office/drawing/2014/main" id="{7F996EBB-0107-47CE-BF19-C089AFFFD4F4}"/>
+              </a:ext>
+            </a:extLst>
+          </p:cNvPr>
+          <p:cNvSpPr txBox="1"/>
+          <p:nvPr/>
+        </p:nvSpPr>
+        <p:spPr>
+          <a:xfrm>
+            <a:off x="534247" y="4664529"/>
+            <a:ext cx="5829195" cy="830997"/>
+          </a:xfrm>
+          <a:prstGeom prst="rect">
+            <a:avLst/>
+          </a:prstGeom>
+          <a:noFill/>
+        </p:spPr>
+        <p:txBody>
+          <a:bodyPr wrap="square" rtlCol="0">
+            <a:spAutoFit/>
+          </a:bodyPr>
+          <a:lstStyle/>
+          <a:p>
+            <a:r>
+              <a:rPr lang="en-AU" sz="1600" dirty="0"/>
+              <a:t>The large dip in December and January 2015/16 is in the data.</a:t>
+            </a:r>
+          </a:p>
+          <a:p>
+            <a:r>
+              <a:rPr lang="en-AU" sz="1600" dirty="0"/>
+              <a:t>It may be true and be seasonal. Unfortunately there is no other January data for comparison.</a:t>
+            </a:r>
+          </a:p>
+        </p:txBody>
+      </p:sp>
     </p:spTree>
     <p:extLst>
       <p:ext uri="{BB962C8B-B14F-4D97-AF65-F5344CB8AC3E}">
-        <p14:creationId xmlns:p14="http://schemas.microsoft.com/office/powerpoint/2010/main" val="712491486"/>
+        <p14:creationId xmlns:p14="http://schemas.microsoft.com/office/powerpoint/2010/main" val="2030790373"/>
       </p:ext>
     </p:extLst>
   </p:cSld>
@@ -4551,19 +4924,17 @@
       </p:grpSpPr>
       <p:pic>
         <p:nvPicPr>
-          <p:cNvPr id="5" name="Content Placeholder 4">
-            <a:extLst>
-              <a:ext uri="{FF2B5EF4-FFF2-40B4-BE49-F238E27FC236}">
-                <a16:creationId xmlns:a16="http://schemas.microsoft.com/office/drawing/2014/main" id="{0EF6EE7D-4EE0-43E0-8457-7CB443B077C3}"/>
+          <p:cNvPr id="11" name="Picture 10">
+            <a:extLst>
+              <a:ext uri="{FF2B5EF4-FFF2-40B4-BE49-F238E27FC236}">
+                <a16:creationId xmlns:a16="http://schemas.microsoft.com/office/drawing/2014/main" id="{A449A980-4C9B-42F4-8670-1A11CC674FCB}"/>
               </a:ext>
             </a:extLst>
           </p:cNvPr>
           <p:cNvPicPr>
-            <a:picLocks noGrp="1" noChangeAspect="1"/>
+            <a:picLocks noChangeAspect="1"/>
           </p:cNvPicPr>
-          <p:nvPr>
-            <p:ph idx="1"/>
-          </p:nvPr>
+          <p:nvPr/>
         </p:nvPicPr>
         <p:blipFill>
           <a:blip r:embed="rId2">
@@ -4579,17 +4950,58 @@
         </p:blipFill>
         <p:spPr>
           <a:xfrm>
-            <a:off x="6371042" y="312211"/>
-            <a:ext cx="4407025" cy="2155652"/>
-          </a:xfrm>
+            <a:off x="583577" y="1409424"/>
+            <a:ext cx="8093616" cy="3746470"/>
+          </a:xfrm>
+          <a:prstGeom prst="rect">
+            <a:avLst/>
+          </a:prstGeom>
         </p:spPr>
       </p:pic>
+      <p:sp>
+        <p:nvSpPr>
+          <p:cNvPr id="12" name="TextBox 11">
+            <a:extLst>
+              <a:ext uri="{FF2B5EF4-FFF2-40B4-BE49-F238E27FC236}">
+                <a16:creationId xmlns:a16="http://schemas.microsoft.com/office/drawing/2014/main" id="{AB8ED7DC-3261-4C79-9BB8-E0B463ED2562}"/>
+              </a:ext>
+            </a:extLst>
+          </p:cNvPr>
+          <p:cNvSpPr txBox="1"/>
+          <p:nvPr/>
+        </p:nvSpPr>
+        <p:spPr>
+          <a:xfrm>
+            <a:off x="9141144" y="1455715"/>
+            <a:ext cx="2467279" cy="1477328"/>
+          </a:xfrm>
+          <a:prstGeom prst="rect">
+            <a:avLst/>
+          </a:prstGeom>
+          <a:noFill/>
+        </p:spPr>
+        <p:txBody>
+          <a:bodyPr wrap="square" rtlCol="0">
+            <a:spAutoFit/>
+          </a:bodyPr>
+          <a:lstStyle/>
+          <a:p>
+            <a:r>
+              <a:rPr lang="en-AU" dirty="0"/>
+              <a:t>This shows the aggregate cars per hour over the entire merged dataset.</a:t>
+            </a:r>
+          </a:p>
+          <a:p>
+            <a:endParaRPr lang="en-AU" dirty="0"/>
+          </a:p>
+        </p:txBody>
+      </p:sp>
       <p:pic>
         <p:nvPicPr>
-          <p:cNvPr id="7" name="Picture 6">
-            <a:extLst>
-              <a:ext uri="{FF2B5EF4-FFF2-40B4-BE49-F238E27FC236}">
-                <a16:creationId xmlns:a16="http://schemas.microsoft.com/office/drawing/2014/main" id="{3EC03B9A-EAC9-4657-A01A-96F6D9EFAF63}"/>
+          <p:cNvPr id="13" name="Picture 12">
+            <a:extLst>
+              <a:ext uri="{FF2B5EF4-FFF2-40B4-BE49-F238E27FC236}">
+                <a16:creationId xmlns:a16="http://schemas.microsoft.com/office/drawing/2014/main" id="{74BBC2B9-2693-43FC-8246-D822E43A23CB}"/>
               </a:ext>
             </a:extLst>
           </p:cNvPr>
@@ -4612,89 +5024,18 @@
         </p:blipFill>
         <p:spPr>
           <a:xfrm>
-            <a:off x="6557318" y="2568635"/>
-            <a:ext cx="5414281" cy="2685749"/>
+            <a:off x="8493312" y="3543090"/>
+            <a:ext cx="3425305" cy="2729048"/>
           </a:xfrm>
           <a:prstGeom prst="rect">
             <a:avLst/>
           </a:prstGeom>
         </p:spPr>
       </p:pic>
-      <p:pic>
-        <p:nvPicPr>
-          <p:cNvPr id="10" name="Content Placeholder 8">
-            <a:extLst>
-              <a:ext uri="{FF2B5EF4-FFF2-40B4-BE49-F238E27FC236}">
-                <a16:creationId xmlns:a16="http://schemas.microsoft.com/office/drawing/2014/main" id="{6390F795-F73B-494C-A20C-4E6E9BFB5023}"/>
-              </a:ext>
-            </a:extLst>
-          </p:cNvPr>
-          <p:cNvPicPr>
-            <a:picLocks noChangeAspect="1"/>
-          </p:cNvPicPr>
-          <p:nvPr/>
-        </p:nvPicPr>
-        <p:blipFill>
-          <a:blip r:embed="rId4">
-            <a:extLst>
-              <a:ext uri="{28A0092B-C50C-407E-A947-70E740481C1C}">
-                <a14:useLocalDpi xmlns:a14="http://schemas.microsoft.com/office/drawing/2010/main" val="0"/>
-              </a:ext>
-            </a:extLst>
-          </a:blip>
-          <a:stretch>
-            <a:fillRect/>
-          </a:stretch>
-        </p:blipFill>
-        <p:spPr>
-          <a:xfrm>
-            <a:off x="398201" y="312211"/>
-            <a:ext cx="5596199" cy="2908464"/>
-          </a:xfrm>
-          <a:prstGeom prst="rect">
-            <a:avLst/>
-          </a:prstGeom>
-        </p:spPr>
-      </p:pic>
-      <p:sp>
-        <p:nvSpPr>
-          <p:cNvPr id="11" name="TextBox 10">
-            <a:extLst>
-              <a:ext uri="{FF2B5EF4-FFF2-40B4-BE49-F238E27FC236}">
-                <a16:creationId xmlns:a16="http://schemas.microsoft.com/office/drawing/2014/main" id="{B0FCC6AC-B2F5-4969-9C21-3FCEEEB83254}"/>
-              </a:ext>
-            </a:extLst>
-          </p:cNvPr>
-          <p:cNvSpPr txBox="1"/>
-          <p:nvPr/>
-        </p:nvSpPr>
-        <p:spPr>
-          <a:xfrm>
-            <a:off x="6557318" y="5530876"/>
-            <a:ext cx="5349478" cy="369332"/>
-          </a:xfrm>
-          <a:prstGeom prst="rect">
-            <a:avLst/>
-          </a:prstGeom>
-          <a:noFill/>
-        </p:spPr>
-        <p:txBody>
-          <a:bodyPr wrap="none" rtlCol="0">
-            <a:spAutoFit/>
-          </a:bodyPr>
-          <a:lstStyle/>
-          <a:p>
-            <a:r>
-              <a:rPr lang="en-AU" dirty="0"/>
-              <a:t>The vast majority of the time, it is not raining in Sydney.</a:t>
-            </a:r>
-          </a:p>
-        </p:txBody>
-      </p:sp>
     </p:spTree>
     <p:extLst>
       <p:ext uri="{BB962C8B-B14F-4D97-AF65-F5344CB8AC3E}">
-        <p14:creationId xmlns:p14="http://schemas.microsoft.com/office/powerpoint/2010/main" val="3040087162"/>
+        <p14:creationId xmlns:p14="http://schemas.microsoft.com/office/powerpoint/2010/main" val="712491486"/>
       </p:ext>
     </p:extLst>
   </p:cSld>
@@ -4726,7 +5067,7 @@
           <p:cNvPr id="5" name="Content Placeholder 4">
             <a:extLst>
               <a:ext uri="{FF2B5EF4-FFF2-40B4-BE49-F238E27FC236}">
-                <a16:creationId xmlns:a16="http://schemas.microsoft.com/office/drawing/2014/main" id="{B9D73D7E-C051-4066-BD3E-9BB821447D09}"/>
+                <a16:creationId xmlns:a16="http://schemas.microsoft.com/office/drawing/2014/main" id="{0EF6EE7D-4EE0-43E0-8457-7CB443B077C3}"/>
               </a:ext>
             </a:extLst>
           </p:cNvPr>
@@ -4751,17 +5092,52 @@
         </p:blipFill>
         <p:spPr>
           <a:xfrm>
-            <a:off x="4926031" y="3214158"/>
-            <a:ext cx="3932092" cy="2691467"/>
+            <a:off x="6371042" y="312211"/>
+            <a:ext cx="4407025" cy="2155652"/>
           </a:xfrm>
         </p:spPr>
       </p:pic>
+      <p:sp>
+        <p:nvSpPr>
+          <p:cNvPr id="11" name="TextBox 10">
+            <a:extLst>
+              <a:ext uri="{FF2B5EF4-FFF2-40B4-BE49-F238E27FC236}">
+                <a16:creationId xmlns:a16="http://schemas.microsoft.com/office/drawing/2014/main" id="{B0FCC6AC-B2F5-4969-9C21-3FCEEEB83254}"/>
+              </a:ext>
+            </a:extLst>
+          </p:cNvPr>
+          <p:cNvSpPr txBox="1"/>
+          <p:nvPr/>
+        </p:nvSpPr>
+        <p:spPr>
+          <a:xfrm>
+            <a:off x="6557318" y="5530876"/>
+            <a:ext cx="5349478" cy="369332"/>
+          </a:xfrm>
+          <a:prstGeom prst="rect">
+            <a:avLst/>
+          </a:prstGeom>
+          <a:noFill/>
+        </p:spPr>
+        <p:txBody>
+          <a:bodyPr wrap="none" rtlCol="0">
+            <a:spAutoFit/>
+          </a:bodyPr>
+          <a:lstStyle/>
+          <a:p>
+            <a:r>
+              <a:rPr lang="en-AU" dirty="0"/>
+              <a:t>The vast majority of the time, it is not raining in Sydney.</a:t>
+            </a:r>
+          </a:p>
+        </p:txBody>
+      </p:sp>
       <p:pic>
         <p:nvPicPr>
-          <p:cNvPr id="7" name="Picture 6">
-            <a:extLst>
-              <a:ext uri="{FF2B5EF4-FFF2-40B4-BE49-F238E27FC236}">
-                <a16:creationId xmlns:a16="http://schemas.microsoft.com/office/drawing/2014/main" id="{A1C5C107-937F-4BF0-AF09-060695DE4B74}"/>
+          <p:cNvPr id="3" name="Picture 2">
+            <a:extLst>
+              <a:ext uri="{FF2B5EF4-FFF2-40B4-BE49-F238E27FC236}">
+                <a16:creationId xmlns:a16="http://schemas.microsoft.com/office/drawing/2014/main" id="{E76F6276-71CD-43DB-83DB-0F9B45764229}"/>
               </a:ext>
             </a:extLst>
           </p:cNvPr>
@@ -4784,8 +5160,8 @@
         </p:blipFill>
         <p:spPr>
           <a:xfrm>
-            <a:off x="4926031" y="210478"/>
-            <a:ext cx="3589656" cy="2983167"/>
+            <a:off x="6371042" y="2675209"/>
+            <a:ext cx="5251755" cy="2648321"/>
           </a:xfrm>
           <a:prstGeom prst="rect">
             <a:avLst/>
@@ -4794,10 +5170,10 @@
       </p:pic>
       <p:pic>
         <p:nvPicPr>
-          <p:cNvPr id="11" name="Picture 10">
-            <a:extLst>
-              <a:ext uri="{FF2B5EF4-FFF2-40B4-BE49-F238E27FC236}">
-                <a16:creationId xmlns:a16="http://schemas.microsoft.com/office/drawing/2014/main" id="{155BCF16-9087-4422-B56C-DA4D206CE50D}"/>
+          <p:cNvPr id="6" name="Picture 5">
+            <a:extLst>
+              <a:ext uri="{FF2B5EF4-FFF2-40B4-BE49-F238E27FC236}">
+                <a16:creationId xmlns:a16="http://schemas.microsoft.com/office/drawing/2014/main" id="{48841980-4646-463B-9876-09BBB9C72693}"/>
               </a:ext>
             </a:extLst>
           </p:cNvPr>
@@ -4820,124 +5196,18 @@
         </p:blipFill>
         <p:spPr>
           <a:xfrm>
-            <a:off x="152197" y="3214159"/>
-            <a:ext cx="4650515" cy="2691468"/>
+            <a:off x="120343" y="1671876"/>
+            <a:ext cx="5975657" cy="3079908"/>
           </a:xfrm>
           <a:prstGeom prst="rect">
             <a:avLst/>
           </a:prstGeom>
         </p:spPr>
       </p:pic>
-      <p:pic>
-        <p:nvPicPr>
-          <p:cNvPr id="13" name="Picture 12">
-            <a:extLst>
-              <a:ext uri="{FF2B5EF4-FFF2-40B4-BE49-F238E27FC236}">
-                <a16:creationId xmlns:a16="http://schemas.microsoft.com/office/drawing/2014/main" id="{AB860D20-8A24-4643-8ACB-FAC34F900434}"/>
-              </a:ext>
-            </a:extLst>
-          </p:cNvPr>
-          <p:cNvPicPr>
-            <a:picLocks noChangeAspect="1"/>
-          </p:cNvPicPr>
-          <p:nvPr/>
-        </p:nvPicPr>
-        <p:blipFill>
-          <a:blip r:embed="rId5">
-            <a:extLst>
-              <a:ext uri="{28A0092B-C50C-407E-A947-70E740481C1C}">
-                <a14:useLocalDpi xmlns:a14="http://schemas.microsoft.com/office/drawing/2010/main" val="0"/>
-              </a:ext>
-            </a:extLst>
-          </a:blip>
-          <a:stretch>
-            <a:fillRect/>
-          </a:stretch>
-        </p:blipFill>
-        <p:spPr>
-          <a:xfrm>
-            <a:off x="152197" y="210478"/>
-            <a:ext cx="4680322" cy="2981455"/>
-          </a:xfrm>
-          <a:prstGeom prst="rect">
-            <a:avLst/>
-          </a:prstGeom>
-        </p:spPr>
-      </p:pic>
-      <p:sp>
-        <p:nvSpPr>
-          <p:cNvPr id="14" name="TextBox 13">
-            <a:extLst>
-              <a:ext uri="{FF2B5EF4-FFF2-40B4-BE49-F238E27FC236}">
-                <a16:creationId xmlns:a16="http://schemas.microsoft.com/office/drawing/2014/main" id="{C75A4FDE-B21B-453E-BEC9-AF62CFDF7FB5}"/>
-              </a:ext>
-            </a:extLst>
-          </p:cNvPr>
-          <p:cNvSpPr txBox="1"/>
-          <p:nvPr/>
-        </p:nvSpPr>
-        <p:spPr>
-          <a:xfrm>
-            <a:off x="8858123" y="1162075"/>
-            <a:ext cx="2876677" cy="584775"/>
-          </a:xfrm>
-          <a:prstGeom prst="rect">
-            <a:avLst/>
-          </a:prstGeom>
-          <a:noFill/>
-        </p:spPr>
-        <p:txBody>
-          <a:bodyPr wrap="square" rtlCol="0">
-            <a:spAutoFit/>
-          </a:bodyPr>
-          <a:lstStyle/>
-          <a:p>
-            <a:r>
-              <a:rPr lang="en-AU" sz="1600" dirty="0"/>
-              <a:t>LM Plots showing the value of clustering the rain data.</a:t>
-            </a:r>
-          </a:p>
-        </p:txBody>
-      </p:sp>
-      <p:sp>
-        <p:nvSpPr>
-          <p:cNvPr id="15" name="TextBox 14">
-            <a:extLst>
-              <a:ext uri="{FF2B5EF4-FFF2-40B4-BE49-F238E27FC236}">
-                <a16:creationId xmlns:a16="http://schemas.microsoft.com/office/drawing/2014/main" id="{D61B7019-CB64-40B2-8695-4B4BAC75B274}"/>
-              </a:ext>
-            </a:extLst>
-          </p:cNvPr>
-          <p:cNvSpPr txBox="1"/>
-          <p:nvPr/>
-        </p:nvSpPr>
-        <p:spPr>
-          <a:xfrm>
-            <a:off x="8981442" y="4091541"/>
-            <a:ext cx="2876677" cy="830997"/>
-          </a:xfrm>
-          <a:prstGeom prst="rect">
-            <a:avLst/>
-          </a:prstGeom>
-          <a:noFill/>
-        </p:spPr>
-        <p:txBody>
-          <a:bodyPr wrap="square" rtlCol="0">
-            <a:spAutoFit/>
-          </a:bodyPr>
-          <a:lstStyle/>
-          <a:p>
-            <a:r>
-              <a:rPr lang="en-AU" sz="1600" dirty="0"/>
-              <a:t>An increase in temperature shows an increase in volume, regardless of clustering</a:t>
-            </a:r>
-          </a:p>
-        </p:txBody>
-      </p:sp>
     </p:spTree>
     <p:extLst>
       <p:ext uri="{BB962C8B-B14F-4D97-AF65-F5344CB8AC3E}">
-        <p14:creationId xmlns:p14="http://schemas.microsoft.com/office/powerpoint/2010/main" val="3177745222"/>
+        <p14:creationId xmlns:p14="http://schemas.microsoft.com/office/powerpoint/2010/main" val="3040087162"/>
       </p:ext>
     </p:extLst>
   </p:cSld>
@@ -4969,7 +5239,7 @@
           <p:cNvPr id="5" name="Content Placeholder 4">
             <a:extLst>
               <a:ext uri="{FF2B5EF4-FFF2-40B4-BE49-F238E27FC236}">
-                <a16:creationId xmlns:a16="http://schemas.microsoft.com/office/drawing/2014/main" id="{1CD6ABFB-E72D-424F-9B95-4E8BFC7AA884}"/>
+                <a16:creationId xmlns:a16="http://schemas.microsoft.com/office/drawing/2014/main" id="{B9D73D7E-C051-4066-BD3E-9BB821447D09}"/>
               </a:ext>
             </a:extLst>
           </p:cNvPr>
@@ -4994,17 +5264,87 @@
         </p:blipFill>
         <p:spPr>
           <a:xfrm>
-            <a:off x="120311" y="250207"/>
-            <a:ext cx="3376422" cy="3121453"/>
+            <a:off x="4926031" y="3553591"/>
+            <a:ext cx="3932092" cy="2691467"/>
           </a:xfrm>
         </p:spPr>
       </p:pic>
+      <p:sp>
+        <p:nvSpPr>
+          <p:cNvPr id="14" name="TextBox 13">
+            <a:extLst>
+              <a:ext uri="{FF2B5EF4-FFF2-40B4-BE49-F238E27FC236}">
+                <a16:creationId xmlns:a16="http://schemas.microsoft.com/office/drawing/2014/main" id="{C75A4FDE-B21B-453E-BEC9-AF62CFDF7FB5}"/>
+              </a:ext>
+            </a:extLst>
+          </p:cNvPr>
+          <p:cNvSpPr txBox="1"/>
+          <p:nvPr/>
+        </p:nvSpPr>
+        <p:spPr>
+          <a:xfrm>
+            <a:off x="8858123" y="1162075"/>
+            <a:ext cx="2876677" cy="584775"/>
+          </a:xfrm>
+          <a:prstGeom prst="rect">
+            <a:avLst/>
+          </a:prstGeom>
+          <a:noFill/>
+        </p:spPr>
+        <p:txBody>
+          <a:bodyPr wrap="square" rtlCol="0">
+            <a:spAutoFit/>
+          </a:bodyPr>
+          <a:lstStyle/>
+          <a:p>
+            <a:r>
+              <a:rPr lang="en-AU" sz="1600" dirty="0"/>
+              <a:t>LM Plots showing the value of clustering the rain data.</a:t>
+            </a:r>
+          </a:p>
+        </p:txBody>
+      </p:sp>
+      <p:sp>
+        <p:nvSpPr>
+          <p:cNvPr id="15" name="TextBox 14">
+            <a:extLst>
+              <a:ext uri="{FF2B5EF4-FFF2-40B4-BE49-F238E27FC236}">
+                <a16:creationId xmlns:a16="http://schemas.microsoft.com/office/drawing/2014/main" id="{D61B7019-CB64-40B2-8695-4B4BAC75B274}"/>
+              </a:ext>
+            </a:extLst>
+          </p:cNvPr>
+          <p:cNvSpPr txBox="1"/>
+          <p:nvPr/>
+        </p:nvSpPr>
+        <p:spPr>
+          <a:xfrm>
+            <a:off x="8981442" y="4091541"/>
+            <a:ext cx="2876677" cy="830997"/>
+          </a:xfrm>
+          <a:prstGeom prst="rect">
+            <a:avLst/>
+          </a:prstGeom>
+          <a:noFill/>
+        </p:spPr>
+        <p:txBody>
+          <a:bodyPr wrap="square" rtlCol="0">
+            <a:spAutoFit/>
+          </a:bodyPr>
+          <a:lstStyle/>
+          <a:p>
+            <a:r>
+              <a:rPr lang="en-AU" sz="1600" dirty="0"/>
+              <a:t>An increase in temperature shows an increase in volume, regardless of clustering</a:t>
+            </a:r>
+          </a:p>
+        </p:txBody>
+      </p:sp>
       <p:pic>
         <p:nvPicPr>
-          <p:cNvPr id="7" name="Picture 6">
-            <a:extLst>
-              <a:ext uri="{FF2B5EF4-FFF2-40B4-BE49-F238E27FC236}">
-                <a16:creationId xmlns:a16="http://schemas.microsoft.com/office/drawing/2014/main" id="{6F77D071-EA6B-45F7-A865-3506EEEB0DAD}"/>
+          <p:cNvPr id="3" name="Picture 2">
+            <a:extLst>
+              <a:ext uri="{FF2B5EF4-FFF2-40B4-BE49-F238E27FC236}">
+                <a16:creationId xmlns:a16="http://schemas.microsoft.com/office/drawing/2014/main" id="{49906AFE-E38B-42BD-8571-F1685D4A2790}"/>
               </a:ext>
             </a:extLst>
           </p:cNvPr>
@@ -5027,8 +5367,8 @@
         </p:blipFill>
         <p:spPr>
           <a:xfrm>
-            <a:off x="3535076" y="2866406"/>
-            <a:ext cx="4116494" cy="3814597"/>
+            <a:off x="4926030" y="161034"/>
+            <a:ext cx="3680759" cy="3030900"/>
           </a:xfrm>
           <a:prstGeom prst="rect">
             <a:avLst/>
@@ -5037,10 +5377,10 @@
       </p:pic>
       <p:pic>
         <p:nvPicPr>
-          <p:cNvPr id="9" name="Picture 8">
-            <a:extLst>
-              <a:ext uri="{FF2B5EF4-FFF2-40B4-BE49-F238E27FC236}">
-                <a16:creationId xmlns:a16="http://schemas.microsoft.com/office/drawing/2014/main" id="{7A916DF1-9295-4FA1-ADA3-79A9346214D9}"/>
+          <p:cNvPr id="6" name="Picture 5">
+            <a:extLst>
+              <a:ext uri="{FF2B5EF4-FFF2-40B4-BE49-F238E27FC236}">
+                <a16:creationId xmlns:a16="http://schemas.microsoft.com/office/drawing/2014/main" id="{B799257D-8DDE-4FAB-9A01-0760095E89D7}"/>
               </a:ext>
             </a:extLst>
           </p:cNvPr>
@@ -5063,65 +5403,54 @@
         </p:blipFill>
         <p:spPr>
           <a:xfrm>
-            <a:off x="7689914" y="2866407"/>
-            <a:ext cx="4104154" cy="3814597"/>
+            <a:off x="152197" y="3535186"/>
+            <a:ext cx="4784322" cy="2774703"/>
           </a:xfrm>
           <a:prstGeom prst="rect">
             <a:avLst/>
           </a:prstGeom>
         </p:spPr>
       </p:pic>
-      <p:sp>
-        <p:nvSpPr>
-          <p:cNvPr id="10" name="TextBox 9">
-            <a:extLst>
-              <a:ext uri="{FF2B5EF4-FFF2-40B4-BE49-F238E27FC236}">
-                <a16:creationId xmlns:a16="http://schemas.microsoft.com/office/drawing/2014/main" id="{8174B671-B6A9-4E3A-BD58-CE5BD0A21699}"/>
-              </a:ext>
-            </a:extLst>
-          </p:cNvPr>
-          <p:cNvSpPr txBox="1"/>
+      <p:pic>
+        <p:nvPicPr>
+          <p:cNvPr id="9" name="Picture 8">
+            <a:extLst>
+              <a:ext uri="{FF2B5EF4-FFF2-40B4-BE49-F238E27FC236}">
+                <a16:creationId xmlns:a16="http://schemas.microsoft.com/office/drawing/2014/main" id="{4C573F2E-56AF-44C5-B9D1-6C4DD6F40267}"/>
+              </a:ext>
+            </a:extLst>
+          </p:cNvPr>
+          <p:cNvPicPr>
+            <a:picLocks noChangeAspect="1"/>
+          </p:cNvPicPr>
           <p:nvPr/>
-        </p:nvSpPr>
-        <p:spPr>
-          <a:xfrm>
-            <a:off x="3883344" y="846115"/>
-            <a:ext cx="4041456" cy="1754326"/>
+        </p:nvPicPr>
+        <p:blipFill>
+          <a:blip r:embed="rId5">
+            <a:extLst>
+              <a:ext uri="{28A0092B-C50C-407E-A947-70E740481C1C}">
+                <a14:useLocalDpi xmlns:a14="http://schemas.microsoft.com/office/drawing/2010/main" val="0"/>
+              </a:ext>
+            </a:extLst>
+          </a:blip>
+          <a:stretch>
+            <a:fillRect/>
+          </a:stretch>
+        </p:blipFill>
+        <p:spPr>
+          <a:xfrm>
+            <a:off x="152454" y="161034"/>
+            <a:ext cx="4870864" cy="3143375"/>
           </a:xfrm>
           <a:prstGeom prst="rect">
             <a:avLst/>
           </a:prstGeom>
-          <a:noFill/>
-        </p:spPr>
-        <p:txBody>
-          <a:bodyPr wrap="square" rtlCol="0">
-            <a:spAutoFit/>
-          </a:bodyPr>
-          <a:lstStyle/>
-          <a:p>
-            <a:r>
-              <a:rPr lang="en-AU" dirty="0"/>
-              <a:t>Temperature is more closely correlated over the entire 24 hours.</a:t>
-            </a:r>
-          </a:p>
-          <a:p>
-            <a:endParaRPr lang="en-AU" dirty="0"/>
-          </a:p>
-          <a:p>
-            <a:r>
-              <a:rPr lang="en-AU" dirty="0"/>
-              <a:t>Restricting by time makes the day of the week more influential.</a:t>
-            </a:r>
-          </a:p>
-          <a:p>
-            <a:endParaRPr lang="en-AU" dirty="0"/>
-          </a:p>
-        </p:txBody>
-      </p:sp>
+        </p:spPr>
+      </p:pic>
     </p:spTree>
     <p:extLst>
       <p:ext uri="{BB962C8B-B14F-4D97-AF65-F5344CB8AC3E}">
-        <p14:creationId xmlns:p14="http://schemas.microsoft.com/office/powerpoint/2010/main" val="4181514571"/>
+        <p14:creationId xmlns:p14="http://schemas.microsoft.com/office/powerpoint/2010/main" val="3177745222"/>
       </p:ext>
     </p:extLst>
   </p:cSld>
@@ -5148,37 +5477,12 @@
           <a:chExt cx="0" cy="0"/>
         </a:xfrm>
       </p:grpSpPr>
-      <p:sp>
-        <p:nvSpPr>
-          <p:cNvPr id="2" name="Title 1">
-            <a:extLst>
-              <a:ext uri="{FF2B5EF4-FFF2-40B4-BE49-F238E27FC236}">
-                <a16:creationId xmlns:a16="http://schemas.microsoft.com/office/drawing/2014/main" id="{FE95D456-8526-4D8E-8EC5-9E963EFD8D79}"/>
-              </a:ext>
-            </a:extLst>
-          </p:cNvPr>
-          <p:cNvSpPr>
-            <a:spLocks noGrp="1"/>
-          </p:cNvSpPr>
-          <p:nvPr>
-            <p:ph type="title"/>
-          </p:nvPr>
-        </p:nvSpPr>
-        <p:spPr/>
-        <p:txBody>
-          <a:bodyPr/>
-          <a:lstStyle/>
-          <a:p>
-            <a:endParaRPr lang="en-AU"/>
-          </a:p>
-        </p:txBody>
-      </p:sp>
       <p:pic>
         <p:nvPicPr>
-          <p:cNvPr id="7" name="Picture 6">
-            <a:extLst>
-              <a:ext uri="{FF2B5EF4-FFF2-40B4-BE49-F238E27FC236}">
-                <a16:creationId xmlns:a16="http://schemas.microsoft.com/office/drawing/2014/main" id="{C96128F1-7BFC-4A2E-880C-C3C5DCFAED69}"/>
+          <p:cNvPr id="6" name="Picture 5">
+            <a:extLst>
+              <a:ext uri="{FF2B5EF4-FFF2-40B4-BE49-F238E27FC236}">
+                <a16:creationId xmlns:a16="http://schemas.microsoft.com/office/drawing/2014/main" id="{A989F3C0-3472-4A05-B4FD-2CF777E90568}"/>
               </a:ext>
             </a:extLst>
           </p:cNvPr>
@@ -5201,20 +5505,67 @@
         </p:blipFill>
         <p:spPr>
           <a:xfrm>
-            <a:off x="8798343" y="1921933"/>
-            <a:ext cx="3802068" cy="1690393"/>
+            <a:off x="200517" y="259582"/>
+            <a:ext cx="3879993" cy="3600315"/>
           </a:xfrm>
           <a:prstGeom prst="rect">
             <a:avLst/>
           </a:prstGeom>
         </p:spPr>
       </p:pic>
+      <p:sp>
+        <p:nvSpPr>
+          <p:cNvPr id="10" name="TextBox 9">
+            <a:extLst>
+              <a:ext uri="{FF2B5EF4-FFF2-40B4-BE49-F238E27FC236}">
+                <a16:creationId xmlns:a16="http://schemas.microsoft.com/office/drawing/2014/main" id="{8174B671-B6A9-4E3A-BD58-CE5BD0A21699}"/>
+              </a:ext>
+            </a:extLst>
+          </p:cNvPr>
+          <p:cNvSpPr txBox="1"/>
+          <p:nvPr/>
+        </p:nvSpPr>
+        <p:spPr>
+          <a:xfrm>
+            <a:off x="4606156" y="685831"/>
+            <a:ext cx="4041456" cy="1754326"/>
+          </a:xfrm>
+          <a:prstGeom prst="rect">
+            <a:avLst/>
+          </a:prstGeom>
+          <a:noFill/>
+        </p:spPr>
+        <p:txBody>
+          <a:bodyPr wrap="square" rtlCol="0">
+            <a:spAutoFit/>
+          </a:bodyPr>
+          <a:lstStyle/>
+          <a:p>
+            <a:r>
+              <a:rPr lang="en-AU" dirty="0"/>
+              <a:t>Temperature is more closely correlated over the entire 24 hours.</a:t>
+            </a:r>
+          </a:p>
+          <a:p>
+            <a:endParaRPr lang="en-AU" dirty="0"/>
+          </a:p>
+          <a:p>
+            <a:r>
+              <a:rPr lang="en-AU" dirty="0"/>
+              <a:t>Restricting by time makes the day of the week more influential.</a:t>
+            </a:r>
+          </a:p>
+          <a:p>
+            <a:endParaRPr lang="en-AU" dirty="0"/>
+          </a:p>
+        </p:txBody>
+      </p:sp>
       <p:pic>
         <p:nvPicPr>
-          <p:cNvPr id="9" name="Picture 8">
-            <a:extLst>
-              <a:ext uri="{FF2B5EF4-FFF2-40B4-BE49-F238E27FC236}">
-                <a16:creationId xmlns:a16="http://schemas.microsoft.com/office/drawing/2014/main" id="{016A019F-A46B-41EE-86F4-B321C7A38D26}"/>
+          <p:cNvPr id="11" name="Picture 10">
+            <a:extLst>
+              <a:ext uri="{FF2B5EF4-FFF2-40B4-BE49-F238E27FC236}">
+                <a16:creationId xmlns:a16="http://schemas.microsoft.com/office/drawing/2014/main" id="{F3AD64CD-39FD-43D2-9934-C39C30AFEAE6}"/>
               </a:ext>
             </a:extLst>
           </p:cNvPr>
@@ -5237,8 +5588,8 @@
         </p:blipFill>
         <p:spPr>
           <a:xfrm>
-            <a:off x="6240718" y="3996266"/>
-            <a:ext cx="5475466" cy="2482819"/>
+            <a:off x="3454256" y="2866407"/>
+            <a:ext cx="4082208" cy="3713611"/>
           </a:xfrm>
           <a:prstGeom prst="rect">
             <a:avLst/>
@@ -5247,19 +5598,17 @@
       </p:pic>
       <p:pic>
         <p:nvPicPr>
-          <p:cNvPr id="5" name="Content Placeholder 4">
-            <a:extLst>
-              <a:ext uri="{FF2B5EF4-FFF2-40B4-BE49-F238E27FC236}">
-                <a16:creationId xmlns:a16="http://schemas.microsoft.com/office/drawing/2014/main" id="{A1F3A5C5-7ACA-4D22-8908-C5154C04A661}"/>
+          <p:cNvPr id="17" name="Picture 16">
+            <a:extLst>
+              <a:ext uri="{FF2B5EF4-FFF2-40B4-BE49-F238E27FC236}">
+                <a16:creationId xmlns:a16="http://schemas.microsoft.com/office/drawing/2014/main" id="{94289FF0-90FF-4E0F-B3E3-E7767DE2C2ED}"/>
               </a:ext>
             </a:extLst>
           </p:cNvPr>
           <p:cNvPicPr>
-            <a:picLocks noGrp="1" noChangeAspect="1"/>
+            <a:picLocks noChangeAspect="1"/>
           </p:cNvPicPr>
-          <p:nvPr>
-            <p:ph idx="1"/>
-          </p:nvPr>
+          <p:nvPr/>
         </p:nvPicPr>
         <p:blipFill>
           <a:blip r:embed="rId4">
@@ -5275,50 +5624,18 @@
         </p:blipFill>
         <p:spPr>
           <a:xfrm>
-            <a:off x="261587" y="250557"/>
-            <a:ext cx="8407832" cy="4064209"/>
-          </a:xfrm>
-        </p:spPr>
-      </p:pic>
-      <p:sp>
-        <p:nvSpPr>
-          <p:cNvPr id="11" name="TextBox 10">
-            <a:extLst>
-              <a:ext uri="{FF2B5EF4-FFF2-40B4-BE49-F238E27FC236}">
-                <a16:creationId xmlns:a16="http://schemas.microsoft.com/office/drawing/2014/main" id="{A136D98F-83F9-4F20-B89B-D2CA6CA4774B}"/>
-              </a:ext>
-            </a:extLst>
-          </p:cNvPr>
-          <p:cNvSpPr txBox="1"/>
-          <p:nvPr/>
-        </p:nvSpPr>
-        <p:spPr>
-          <a:xfrm>
-            <a:off x="543856" y="4590392"/>
-            <a:ext cx="4502277" cy="584775"/>
+            <a:off x="7719344" y="2866408"/>
+            <a:ext cx="4041456" cy="3757764"/>
           </a:xfrm>
           <a:prstGeom prst="rect">
             <a:avLst/>
           </a:prstGeom>
-          <a:noFill/>
-        </p:spPr>
-        <p:txBody>
-          <a:bodyPr wrap="square" rtlCol="0">
-            <a:spAutoFit/>
-          </a:bodyPr>
-          <a:lstStyle/>
-          <a:p>
-            <a:r>
-              <a:rPr lang="en-AU" sz="1600" dirty="0"/>
-              <a:t>Simple linear regression with a large MSE, and a not-normal error residual distribution.</a:t>
-            </a:r>
-          </a:p>
-        </p:txBody>
-      </p:sp>
+        </p:spPr>
+      </p:pic>
     </p:spTree>
     <p:extLst>
       <p:ext uri="{BB962C8B-B14F-4D97-AF65-F5344CB8AC3E}">
-        <p14:creationId xmlns:p14="http://schemas.microsoft.com/office/powerpoint/2010/main" val="1078127753"/>
+        <p14:creationId xmlns:p14="http://schemas.microsoft.com/office/powerpoint/2010/main" val="4181514571"/>
       </p:ext>
     </p:extLst>
   </p:cSld>
@@ -5345,21 +5662,44 @@
           <a:chExt cx="0" cy="0"/>
         </a:xfrm>
       </p:grpSpPr>
+      <p:sp>
+        <p:nvSpPr>
+          <p:cNvPr id="2" name="Title 1">
+            <a:extLst>
+              <a:ext uri="{FF2B5EF4-FFF2-40B4-BE49-F238E27FC236}">
+                <a16:creationId xmlns:a16="http://schemas.microsoft.com/office/drawing/2014/main" id="{FE95D456-8526-4D8E-8EC5-9E963EFD8D79}"/>
+              </a:ext>
+            </a:extLst>
+          </p:cNvPr>
+          <p:cNvSpPr>
+            <a:spLocks noGrp="1"/>
+          </p:cNvSpPr>
+          <p:nvPr>
+            <p:ph type="title"/>
+          </p:nvPr>
+        </p:nvSpPr>
+        <p:spPr/>
+        <p:txBody>
+          <a:bodyPr/>
+          <a:lstStyle/>
+          <a:p>
+            <a:endParaRPr lang="en-AU"/>
+          </a:p>
+        </p:txBody>
+      </p:sp>
       <p:pic>
         <p:nvPicPr>
-          <p:cNvPr id="5" name="Content Placeholder 4">
-            <a:extLst>
-              <a:ext uri="{FF2B5EF4-FFF2-40B4-BE49-F238E27FC236}">
-                <a16:creationId xmlns:a16="http://schemas.microsoft.com/office/drawing/2014/main" id="{8C40743E-412B-47CB-B8DB-0C72F286A77A}"/>
+          <p:cNvPr id="7" name="Picture 6">
+            <a:extLst>
+              <a:ext uri="{FF2B5EF4-FFF2-40B4-BE49-F238E27FC236}">
+                <a16:creationId xmlns:a16="http://schemas.microsoft.com/office/drawing/2014/main" id="{C96128F1-7BFC-4A2E-880C-C3C5DCFAED69}"/>
               </a:ext>
             </a:extLst>
           </p:cNvPr>
           <p:cNvPicPr>
-            <a:picLocks noGrp="1" noChangeAspect="1"/>
+            <a:picLocks noChangeAspect="1"/>
           </p:cNvPicPr>
-          <p:nvPr>
-            <p:ph idx="1"/>
-          </p:nvPr>
+          <p:nvPr/>
         </p:nvPicPr>
         <p:blipFill>
           <a:blip r:embed="rId2">
@@ -5375,9 +5715,12 @@
         </p:blipFill>
         <p:spPr>
           <a:xfrm>
-            <a:off x="10040034" y="627591"/>
-            <a:ext cx="2151966" cy="5312245"/>
-          </a:xfrm>
+            <a:off x="8798343" y="1921933"/>
+            <a:ext cx="3802068" cy="1690393"/>
+          </a:xfrm>
+          <a:prstGeom prst="rect">
+            <a:avLst/>
+          </a:prstGeom>
         </p:spPr>
       </p:pic>
       <p:pic>
@@ -5385,7 +5728,7 @@
           <p:cNvPr id="9" name="Picture 8">
             <a:extLst>
               <a:ext uri="{FF2B5EF4-FFF2-40B4-BE49-F238E27FC236}">
-                <a16:creationId xmlns:a16="http://schemas.microsoft.com/office/drawing/2014/main" id="{94729539-1EFA-4D55-8EE4-17E76B7EBC60}"/>
+                <a16:creationId xmlns:a16="http://schemas.microsoft.com/office/drawing/2014/main" id="{016A019F-A46B-41EE-86F4-B321C7A38D26}"/>
               </a:ext>
             </a:extLst>
           </p:cNvPr>
@@ -5408,8 +5751,8 @@
         </p:blipFill>
         <p:spPr>
           <a:xfrm>
-            <a:off x="3322049" y="3493831"/>
-            <a:ext cx="6481607" cy="3048996"/>
+            <a:off x="6240718" y="3996266"/>
+            <a:ext cx="5475466" cy="2482819"/>
           </a:xfrm>
           <a:prstGeom prst="rect">
             <a:avLst/>
@@ -5418,17 +5761,19 @@
       </p:pic>
       <p:pic>
         <p:nvPicPr>
-          <p:cNvPr id="7" name="Picture 6">
-            <a:extLst>
-              <a:ext uri="{FF2B5EF4-FFF2-40B4-BE49-F238E27FC236}">
-                <a16:creationId xmlns:a16="http://schemas.microsoft.com/office/drawing/2014/main" id="{F173C57A-FBF8-4793-8A21-F46DC6535468}"/>
+          <p:cNvPr id="5" name="Content Placeholder 4">
+            <a:extLst>
+              <a:ext uri="{FF2B5EF4-FFF2-40B4-BE49-F238E27FC236}">
+                <a16:creationId xmlns:a16="http://schemas.microsoft.com/office/drawing/2014/main" id="{A1F3A5C5-7ACA-4D22-8908-C5154C04A661}"/>
               </a:ext>
             </a:extLst>
           </p:cNvPr>
           <p:cNvPicPr>
-            <a:picLocks noChangeAspect="1"/>
+            <a:picLocks noGrp="1" noChangeAspect="1"/>
           </p:cNvPicPr>
-          <p:nvPr/>
+          <p:nvPr>
+            <p:ph idx="1"/>
+          </p:nvPr>
         </p:nvPicPr>
         <p:blipFill>
           <a:blip r:embed="rId4">
@@ -5444,20 +5789,17 @@
         </p:blipFill>
         <p:spPr>
           <a:xfrm>
-            <a:off x="169921" y="315173"/>
-            <a:ext cx="7881879" cy="3769855"/>
-          </a:xfrm>
-          <a:prstGeom prst="rect">
-            <a:avLst/>
-          </a:prstGeom>
+            <a:off x="261587" y="250557"/>
+            <a:ext cx="8407832" cy="4064209"/>
+          </a:xfrm>
         </p:spPr>
       </p:pic>
       <p:sp>
         <p:nvSpPr>
-          <p:cNvPr id="10" name="TextBox 9">
-            <a:extLst>
-              <a:ext uri="{FF2B5EF4-FFF2-40B4-BE49-F238E27FC236}">
-                <a16:creationId xmlns:a16="http://schemas.microsoft.com/office/drawing/2014/main" id="{D0C6F57B-5319-4B12-B9FA-77CD43870966}"/>
+          <p:cNvPr id="11" name="TextBox 10">
+            <a:extLst>
+              <a:ext uri="{FF2B5EF4-FFF2-40B4-BE49-F238E27FC236}">
+                <a16:creationId xmlns:a16="http://schemas.microsoft.com/office/drawing/2014/main" id="{A136D98F-83F9-4F20-B89B-D2CA6CA4774B}"/>
               </a:ext>
             </a:extLst>
           </p:cNvPr>
@@ -5467,7 +5809,7 @@
         <p:spPr>
           <a:xfrm>
             <a:off x="543856" y="4590392"/>
-            <a:ext cx="2343277" cy="1569660"/>
+            <a:ext cx="4502277" cy="584775"/>
           </a:xfrm>
           <a:prstGeom prst="rect">
             <a:avLst/>
@@ -5482,7 +5824,7 @@
           <a:p>
             <a:r>
               <a:rPr lang="en-AU" sz="1600" dirty="0"/>
-              <a:t>Converting the hours, days and months to categories somewhat normalised the distribution and lowered the MSE</a:t>
+              <a:t>Simple linear regression with a large MSE, and a not-normal error residual distribution.</a:t>
             </a:r>
           </a:p>
         </p:txBody>
@@ -5490,7 +5832,7 @@
     </p:spTree>
     <p:extLst>
       <p:ext uri="{BB962C8B-B14F-4D97-AF65-F5344CB8AC3E}">
-        <p14:creationId xmlns:p14="http://schemas.microsoft.com/office/powerpoint/2010/main" val="3052354888"/>
+        <p14:creationId xmlns:p14="http://schemas.microsoft.com/office/powerpoint/2010/main" val="1078127753"/>
       </p:ext>
     </p:extLst>
   </p:cSld>
